--- a/muzicist.pptx
+++ b/muzicist.pptx
@@ -2891,7 +2891,7 @@
           </a:ln>
           <a:extLst>
             <a:ext uri="{C572A759-6A51-4108-AA02-DFA0A04FC94B}">
-              <ma14:wrappingTextBoxFlag xmlns:ma14="http://schemas.microsoft.com/office/mac/drawingml/2011/main" xmlns="" val="1"/>
+              <ma14:wrappingTextBoxFlag xmlns="" xmlns:ma14="http://schemas.microsoft.com/office/mac/drawingml/2011/main" val="1"/>
             </a:ext>
           </a:extLst>
         </p:spPr>
@@ -2930,7 +2930,7 @@
           </a:ln>
           <a:extLst>
             <a:ext uri="{C572A759-6A51-4108-AA02-DFA0A04FC94B}">
-              <ma14:wrappingTextBoxFlag xmlns:ma14="http://schemas.microsoft.com/office/mac/drawingml/2011/main" xmlns="" val="1"/>
+              <ma14:wrappingTextBoxFlag xmlns="" xmlns:ma14="http://schemas.microsoft.com/office/mac/drawingml/2011/main" val="1"/>
             </a:ext>
           </a:extLst>
         </p:spPr>
@@ -3889,7 +3889,7 @@
           </a:ln>
           <a:extLst>
             <a:ext uri="{C572A759-6A51-4108-AA02-DFA0A04FC94B}">
-              <ma14:wrappingTextBoxFlag xmlns:ma14="http://schemas.microsoft.com/office/mac/drawingml/2011/main" xmlns="" val="1"/>
+              <ma14:wrappingTextBoxFlag xmlns="" xmlns:ma14="http://schemas.microsoft.com/office/mac/drawingml/2011/main" val="1"/>
             </a:ext>
           </a:extLst>
         </p:spPr>
@@ -3980,7 +3980,7 @@
           </a:ln>
           <a:extLst>
             <a:ext uri="{C572A759-6A51-4108-AA02-DFA0A04FC94B}">
-              <ma14:wrappingTextBoxFlag xmlns:ma14="http://schemas.microsoft.com/office/mac/drawingml/2011/main" xmlns="" val="1"/>
+              <ma14:wrappingTextBoxFlag xmlns="" xmlns:ma14="http://schemas.microsoft.com/office/mac/drawingml/2011/main" val="1"/>
             </a:ext>
           </a:extLst>
         </p:spPr>
@@ -4068,7 +4068,7 @@
           </a:ln>
           <a:extLst>
             <a:ext uri="{C572A759-6A51-4108-AA02-DFA0A04FC94B}">
-              <ma14:wrappingTextBoxFlag xmlns:ma14="http://schemas.microsoft.com/office/mac/drawingml/2011/main" xmlns="" val="1"/>
+              <ma14:wrappingTextBoxFlag xmlns="" xmlns:ma14="http://schemas.microsoft.com/office/mac/drawingml/2011/main" val="1"/>
             </a:ext>
           </a:extLst>
         </p:spPr>
@@ -4172,7 +4172,7 @@
           </a:ln>
           <a:extLst>
             <a:ext uri="{C572A759-6A51-4108-AA02-DFA0A04FC94B}">
-              <ma14:wrappingTextBoxFlag xmlns:ma14="http://schemas.microsoft.com/office/mac/drawingml/2011/main" xmlns="" val="1"/>
+              <ma14:wrappingTextBoxFlag xmlns="" xmlns:ma14="http://schemas.microsoft.com/office/mac/drawingml/2011/main" val="1"/>
             </a:ext>
           </a:extLst>
         </p:spPr>
@@ -4219,7 +4219,7 @@
           </a:ln>
           <a:extLst>
             <a:ext uri="{C572A759-6A51-4108-AA02-DFA0A04FC94B}">
-              <ma14:wrappingTextBoxFlag xmlns:ma14="http://schemas.microsoft.com/office/mac/drawingml/2011/main" xmlns="" val="1"/>
+              <ma14:wrappingTextBoxFlag xmlns="" xmlns:ma14="http://schemas.microsoft.com/office/mac/drawingml/2011/main" val="1"/>
             </a:ext>
           </a:extLst>
         </p:spPr>
@@ -4339,7 +4339,7 @@
           </a:ln>
           <a:extLst>
             <a:ext uri="{C572A759-6A51-4108-AA02-DFA0A04FC94B}">
-              <ma14:wrappingTextBoxFlag xmlns:ma14="http://schemas.microsoft.com/office/mac/drawingml/2011/main" xmlns="" val="1"/>
+              <ma14:wrappingTextBoxFlag xmlns="" xmlns:ma14="http://schemas.microsoft.com/office/mac/drawingml/2011/main" val="1"/>
             </a:ext>
           </a:extLst>
         </p:spPr>
@@ -4522,7 +4522,7 @@
           </a:ln>
           <a:extLst>
             <a:ext uri="{C572A759-6A51-4108-AA02-DFA0A04FC94B}">
-              <ma14:wrappingTextBoxFlag xmlns:ma14="http://schemas.microsoft.com/office/mac/drawingml/2011/main" xmlns="" val="1"/>
+              <ma14:wrappingTextBoxFlag xmlns="" xmlns:ma14="http://schemas.microsoft.com/office/mac/drawingml/2011/main" val="1"/>
             </a:ext>
           </a:extLst>
         </p:spPr>
@@ -4569,7 +4569,7 @@
           </a:ln>
           <a:extLst>
             <a:ext uri="{C572A759-6A51-4108-AA02-DFA0A04FC94B}">
-              <ma14:wrappingTextBoxFlag xmlns:ma14="http://schemas.microsoft.com/office/mac/drawingml/2011/main" xmlns="" val="1"/>
+              <ma14:wrappingTextBoxFlag xmlns="" xmlns:ma14="http://schemas.microsoft.com/office/mac/drawingml/2011/main" val="1"/>
             </a:ext>
           </a:extLst>
         </p:spPr>
@@ -4644,7 +4644,7 @@
           </a:ln>
           <a:extLst>
             <a:ext uri="{C572A759-6A51-4108-AA02-DFA0A04FC94B}">
-              <ma14:wrappingTextBoxFlag xmlns:ma14="http://schemas.microsoft.com/office/mac/drawingml/2011/main" xmlns="" val="1"/>
+              <ma14:wrappingTextBoxFlag xmlns="" xmlns:ma14="http://schemas.microsoft.com/office/mac/drawingml/2011/main" val="1"/>
             </a:ext>
           </a:extLst>
         </p:spPr>
@@ -4691,7 +4691,7 @@
           </a:ln>
           <a:extLst>
             <a:ext uri="{C572A759-6A51-4108-AA02-DFA0A04FC94B}">
-              <ma14:wrappingTextBoxFlag xmlns:ma14="http://schemas.microsoft.com/office/mac/drawingml/2011/main" xmlns="" val="1"/>
+              <ma14:wrappingTextBoxFlag xmlns="" xmlns:ma14="http://schemas.microsoft.com/office/mac/drawingml/2011/main" val="1"/>
             </a:ext>
           </a:extLst>
         </p:spPr>
@@ -4738,7 +4738,7 @@
           </a:ln>
           <a:extLst>
             <a:ext uri="{C572A759-6A51-4108-AA02-DFA0A04FC94B}">
-              <ma14:wrappingTextBoxFlag xmlns:ma14="http://schemas.microsoft.com/office/mac/drawingml/2011/main" xmlns="" val="1"/>
+              <ma14:wrappingTextBoxFlag xmlns="" xmlns:ma14="http://schemas.microsoft.com/office/mac/drawingml/2011/main" val="1"/>
             </a:ext>
           </a:extLst>
         </p:spPr>
@@ -4784,7 +4784,7 @@
           </a:ln>
           <a:extLst>
             <a:ext uri="{C572A759-6A51-4108-AA02-DFA0A04FC94B}">
-              <ma14:wrappingTextBoxFlag xmlns:ma14="http://schemas.microsoft.com/office/mac/drawingml/2011/main" xmlns="" val="1"/>
+              <ma14:wrappingTextBoxFlag xmlns="" xmlns:ma14="http://schemas.microsoft.com/office/mac/drawingml/2011/main" val="1"/>
             </a:ext>
           </a:extLst>
         </p:spPr>
@@ -4831,7 +4831,7 @@
           </a:ln>
           <a:extLst>
             <a:ext uri="{C572A759-6A51-4108-AA02-DFA0A04FC94B}">
-              <ma14:wrappingTextBoxFlag xmlns:ma14="http://schemas.microsoft.com/office/mac/drawingml/2011/main" xmlns="" val="1"/>
+              <ma14:wrappingTextBoxFlag xmlns="" xmlns:ma14="http://schemas.microsoft.com/office/mac/drawingml/2011/main" val="1"/>
             </a:ext>
           </a:extLst>
         </p:spPr>
@@ -5070,7 +5070,7 @@
           </a:ln>
           <a:extLst>
             <a:ext uri="{C572A759-6A51-4108-AA02-DFA0A04FC94B}">
-              <ma14:wrappingTextBoxFlag xmlns:ma14="http://schemas.microsoft.com/office/mac/drawingml/2011/main" xmlns="" val="1"/>
+              <ma14:wrappingTextBoxFlag xmlns="" xmlns:ma14="http://schemas.microsoft.com/office/mac/drawingml/2011/main" val="1"/>
             </a:ext>
           </a:extLst>
         </p:spPr>
@@ -5197,7 +5197,7 @@
           </a:ln>
           <a:extLst>
             <a:ext uri="{C572A759-6A51-4108-AA02-DFA0A04FC94B}">
-              <ma14:wrappingTextBoxFlag xmlns:ma14="http://schemas.microsoft.com/office/mac/drawingml/2011/main" xmlns="" val="1"/>
+              <ma14:wrappingTextBoxFlag xmlns="" xmlns:ma14="http://schemas.microsoft.com/office/mac/drawingml/2011/main" val="1"/>
             </a:ext>
           </a:extLst>
         </p:spPr>
@@ -5271,7 +5271,7 @@
           </a:ln>
           <a:extLst>
             <a:ext uri="{C572A759-6A51-4108-AA02-DFA0A04FC94B}">
-              <ma14:wrappingTextBoxFlag xmlns:ma14="http://schemas.microsoft.com/office/mac/drawingml/2011/main" xmlns="" val="1"/>
+              <ma14:wrappingTextBoxFlag xmlns="" xmlns:ma14="http://schemas.microsoft.com/office/mac/drawingml/2011/main" val="1"/>
             </a:ext>
           </a:extLst>
         </p:spPr>
@@ -5400,7 +5400,7 @@
           </a:ln>
           <a:extLst>
             <a:ext uri="{C572A759-6A51-4108-AA02-DFA0A04FC94B}">
-              <ma14:wrappingTextBoxFlag xmlns:ma14="http://schemas.microsoft.com/office/mac/drawingml/2011/main" xmlns="" val="1"/>
+              <ma14:wrappingTextBoxFlag xmlns="" xmlns:ma14="http://schemas.microsoft.com/office/mac/drawingml/2011/main" val="1"/>
             </a:ext>
           </a:extLst>
         </p:spPr>
@@ -5513,7 +5513,7 @@
           </a:ln>
           <a:extLst>
             <a:ext uri="{C572A759-6A51-4108-AA02-DFA0A04FC94B}">
-              <ma14:wrappingTextBoxFlag xmlns:ma14="http://schemas.microsoft.com/office/mac/drawingml/2011/main" xmlns="" val="1"/>
+              <ma14:wrappingTextBoxFlag xmlns="" xmlns:ma14="http://schemas.microsoft.com/office/mac/drawingml/2011/main" val="1"/>
             </a:ext>
           </a:extLst>
         </p:spPr>
@@ -5562,7 +5562,7 @@
           </a:ln>
           <a:extLst>
             <a:ext uri="{C572A759-6A51-4108-AA02-DFA0A04FC94B}">
-              <ma14:wrappingTextBoxFlag xmlns:ma14="http://schemas.microsoft.com/office/mac/drawingml/2011/main" xmlns="" val="1"/>
+              <ma14:wrappingTextBoxFlag xmlns="" xmlns:ma14="http://schemas.microsoft.com/office/mac/drawingml/2011/main" val="1"/>
             </a:ext>
           </a:extLst>
         </p:spPr>
@@ -5688,7 +5688,7 @@
           </a:ln>
           <a:extLst>
             <a:ext uri="{C572A759-6A51-4108-AA02-DFA0A04FC94B}">
-              <ma14:wrappingTextBoxFlag xmlns:ma14="http://schemas.microsoft.com/office/mac/drawingml/2011/main" xmlns="" val="1"/>
+              <ma14:wrappingTextBoxFlag xmlns="" xmlns:ma14="http://schemas.microsoft.com/office/mac/drawingml/2011/main" val="1"/>
             </a:ext>
           </a:extLst>
         </p:spPr>
@@ -5724,8 +5724,8 @@
         </p:nvSpPr>
         <p:spPr>
           <a:xfrm>
-            <a:off x="1112837" y="8866452"/>
-            <a:ext cx="22158326" cy="3837588"/>
+            <a:off x="1112837" y="9328117"/>
+            <a:ext cx="22158326" cy="2914258"/>
           </a:xfrm>
           <a:prstGeom prst="rect">
             <a:avLst/>
@@ -5735,7 +5735,7 @@
           </a:ln>
           <a:extLst>
             <a:ext uri="{C572A759-6A51-4108-AA02-DFA0A04FC94B}">
-              <ma14:wrappingTextBoxFlag xmlns:ma14="http://schemas.microsoft.com/office/mac/drawingml/2011/main" xmlns="" val="1"/>
+              <ma14:wrappingTextBoxFlag xmlns="" xmlns:ma14="http://schemas.microsoft.com/office/mac/drawingml/2011/main" val="1"/>
             </a:ext>
           </a:extLst>
         </p:spPr>
@@ -5756,10 +5756,10 @@
               </a:defRPr>
             </a:pPr>
             <a:r>
-              <a:rPr lang="en-US" dirty="0" err="1" smtClean="0"/>
-              <a:t>Мозг</a:t>
-            </a:r>
-            <a:endParaRPr lang="en-US" dirty="0" smtClean="0"/>
+              <a:rPr lang="en-US" dirty="0" smtClean="0"/>
+              <a:t>Python</a:t>
+            </a:r>
+            <a:endParaRPr dirty="0"/>
           </a:p>
           <a:p>
             <a:pPr marL="1058333" indent="-1058333" algn="l">
@@ -5773,10 +5773,13 @@
               </a:defRPr>
             </a:pPr>
             <a:r>
-              <a:rPr lang="en-US" dirty="0" err="1" smtClean="0"/>
-              <a:t>Руки</a:t>
-            </a:r>
-            <a:endParaRPr lang="en-US" dirty="0" smtClean="0"/>
+              <a:rPr lang="en-US" dirty="0" smtClean="0"/>
+              <a:t>Muzis.ru </a:t>
+            </a:r>
+            <a:r>
+              <a:rPr lang="en-US" dirty="0" smtClean="0"/>
+              <a:t>API</a:t>
+            </a:r>
           </a:p>
           <a:p>
             <a:pPr marL="1058333" indent="-1058333" algn="l">
@@ -5790,25 +5793,12 @@
               </a:defRPr>
             </a:pPr>
             <a:r>
-              <a:rPr lang="en-US" dirty="0"/>
-              <a:t>Python</a:t>
-            </a:r>
-            <a:endParaRPr dirty="0"/>
-          </a:p>
-          <a:p>
-            <a:pPr marL="1058333" indent="-1058333" algn="l">
-              <a:buSzPct val="100000"/>
-              <a:buAutoNum type="arabicPeriod"/>
-              <a:defRPr sz="6000">
-                <a:latin typeface="Gotham Pro"/>
-                <a:ea typeface="Gotham Pro"/>
-                <a:cs typeface="Gotham Pro"/>
-                <a:sym typeface="Gotham Pro"/>
-              </a:defRPr>
-            </a:pPr>
+              <a:rPr lang="en-US" dirty="0" err="1" smtClean="0"/>
+              <a:t>Lastfm</a:t>
+            </a:r>
             <a:r>
               <a:rPr lang="en-US" dirty="0" smtClean="0"/>
-              <a:t>Muzis.ru API</a:t>
+              <a:t> API</a:t>
             </a:r>
             <a:endParaRPr dirty="0"/>
           </a:p>
@@ -5833,7 +5823,7 @@
           </a:ln>
           <a:extLst>
             <a:ext uri="{C572A759-6A51-4108-AA02-DFA0A04FC94B}">
-              <ma14:wrappingTextBoxFlag xmlns:ma14="http://schemas.microsoft.com/office/mac/drawingml/2011/main" xmlns="" val="1"/>
+              <ma14:wrappingTextBoxFlag xmlns="" xmlns:ma14="http://schemas.microsoft.com/office/mac/drawingml/2011/main" val="1"/>
             </a:ext>
           </a:extLst>
         </p:spPr>
@@ -5900,7 +5890,7 @@
           </a:effectLst>
           <a:extLst>
             <a:ext uri="{C572A759-6A51-4108-AA02-DFA0A04FC94B}">
-              <ma14:wrappingTextBoxFlag xmlns:ma14="http://schemas.microsoft.com/office/mac/drawingml/2011/main" xmlns="" val="1"/>
+              <ma14:wrappingTextBoxFlag xmlns="" xmlns:ma14="http://schemas.microsoft.com/office/mac/drawingml/2011/main" val="1"/>
             </a:ext>
           </a:extLst>
         </p:spPr>
@@ -6077,7 +6067,7 @@
           </a:ln>
           <a:extLst>
             <a:ext uri="{C572A759-6A51-4108-AA02-DFA0A04FC94B}">
-              <ma14:wrappingTextBoxFlag xmlns:ma14="http://schemas.microsoft.com/office/mac/drawingml/2011/main" xmlns="" val="1"/>
+              <ma14:wrappingTextBoxFlag xmlns="" xmlns:ma14="http://schemas.microsoft.com/office/mac/drawingml/2011/main" val="1"/>
             </a:ext>
           </a:extLst>
         </p:spPr>
@@ -6113,8 +6103,8 @@
         </p:nvSpPr>
         <p:spPr>
           <a:xfrm>
-            <a:off x="1112837" y="5400590"/>
-            <a:ext cx="22158326" cy="4511422"/>
+            <a:off x="1112837" y="5275842"/>
+            <a:ext cx="22158326" cy="4760918"/>
           </a:xfrm>
           <a:prstGeom prst="rect">
             <a:avLst/>
@@ -6124,7 +6114,7 @@
           </a:ln>
           <a:extLst>
             <a:ext uri="{C572A759-6A51-4108-AA02-DFA0A04FC94B}">
-              <ma14:wrappingTextBoxFlag xmlns:ma14="http://schemas.microsoft.com/office/mac/drawingml/2011/main" xmlns="" val="1"/>
+              <ma14:wrappingTextBoxFlag xmlns="" xmlns:ma14="http://schemas.microsoft.com/office/mac/drawingml/2011/main" val="1"/>
             </a:ext>
           </a:extLst>
         </p:spPr>
@@ -6145,8 +6135,46 @@
               </a:defRPr>
             </a:pPr>
             <a:r>
-              <a:t>…</a:t>
-            </a:r>
+              <a:rPr lang="en-US" dirty="0" err="1" smtClean="0"/>
+              <a:t>Все</a:t>
+            </a:r>
+            <a:r>
+              <a:rPr lang="en-US" dirty="0" smtClean="0"/>
+              <a:t> </a:t>
+            </a:r>
+            <a:r>
+              <a:rPr lang="en-US" dirty="0" err="1" smtClean="0"/>
+              <a:t>взаимодействия</a:t>
+            </a:r>
+            <a:r>
+              <a:rPr lang="en-US" dirty="0" smtClean="0"/>
+              <a:t> </a:t>
+            </a:r>
+            <a:r>
+              <a:rPr lang="en-US" dirty="0" err="1" smtClean="0"/>
+              <a:t>сделаны</a:t>
+            </a:r>
+            <a:r>
+              <a:rPr lang="en-US" dirty="0" smtClean="0"/>
+              <a:t> с </a:t>
+            </a:r>
+            <a:r>
+              <a:rPr lang="en-US" dirty="0" err="1" smtClean="0"/>
+              <a:t>минимальным</a:t>
+            </a:r>
+            <a:r>
+              <a:rPr lang="en-US" dirty="0" smtClean="0"/>
+              <a:t> </a:t>
+            </a:r>
+            <a:r>
+              <a:rPr lang="ru-RU" dirty="0"/>
+              <a:t>ущербом для основного взаимодействия в чате</a:t>
+            </a:r>
+            <a:r>
+              <a:rPr lang="en-US" dirty="0" smtClean="0"/>
+              <a:t> </a:t>
+            </a:r>
+            <a:endParaRPr dirty="0"/>
           </a:p>
           <a:p>
             <a:pPr marL="1058333" indent="-1058333" algn="l">
@@ -6160,6 +6188,7 @@
               </a:defRPr>
             </a:pPr>
             <a:r>
+              <a:rPr dirty="0"/>
               <a:t>…</a:t>
             </a:r>
           </a:p>
@@ -6175,6 +6204,7 @@
               </a:defRPr>
             </a:pPr>
             <a:r>
+              <a:rPr dirty="0"/>
               <a:t>…</a:t>
             </a:r>
           </a:p>
@@ -6190,36 +6220,7 @@
               </a:defRPr>
             </a:pPr>
             <a:r>
-              <a:t>…</a:t>
-            </a:r>
-          </a:p>
-          <a:p>
-            <a:pPr marL="1058333" indent="-1058333" algn="l">
-              <a:buSzPct val="100000"/>
-              <a:buAutoNum type="arabicPeriod"/>
-              <a:defRPr sz="6000">
-                <a:latin typeface="Gotham Pro"/>
-                <a:ea typeface="Gotham Pro"/>
-                <a:cs typeface="Gotham Pro"/>
-                <a:sym typeface="Gotham Pro"/>
-              </a:defRPr>
-            </a:pPr>
-            <a:r>
-              <a:t>…</a:t>
-            </a:r>
-          </a:p>
-          <a:p>
-            <a:pPr marL="1058333" indent="-1058333" algn="l">
-              <a:buSzPct val="100000"/>
-              <a:buAutoNum type="arabicPeriod"/>
-              <a:defRPr sz="6000">
-                <a:latin typeface="Gotham Pro"/>
-                <a:ea typeface="Gotham Pro"/>
-                <a:cs typeface="Gotham Pro"/>
-                <a:sym typeface="Gotham Pro"/>
-              </a:defRPr>
-            </a:pPr>
-            <a:r>
+              <a:rPr dirty="0"/>
               <a:t>…</a:t>
             </a:r>
           </a:p>
@@ -6233,8 +6234,8 @@
         </p:nvSpPr>
         <p:spPr>
           <a:xfrm>
-            <a:off x="895245" y="877999"/>
-            <a:ext cx="4611244" cy="1222376"/>
+            <a:off x="895245" y="986165"/>
+            <a:ext cx="3980256" cy="1006044"/>
           </a:xfrm>
           <a:prstGeom prst="rect">
             <a:avLst/>
@@ -6244,7 +6245,7 @@
           </a:ln>
           <a:extLst>
             <a:ext uri="{C572A759-6A51-4108-AA02-DFA0A04FC94B}">
-              <ma14:wrappingTextBoxFlag xmlns:ma14="http://schemas.microsoft.com/office/mac/drawingml/2011/main" xmlns="" val="1"/>
+              <ma14:wrappingTextBoxFlag xmlns="" xmlns:ma14="http://schemas.microsoft.com/office/mac/drawingml/2011/main" val="1"/>
             </a:ext>
           </a:extLst>
         </p:spPr>
@@ -6267,8 +6268,18 @@
           </a:lstStyle>
           <a:p>
             <a:r>
-              <a:t>“ПРИВЕТ”</a:t>
-            </a:r>
+              <a:rPr dirty="0" smtClean="0"/>
+              <a:t>“</a:t>
+            </a:r>
+            <a:r>
+              <a:rPr lang="en-US" dirty="0" err="1" smtClean="0"/>
+              <a:t>muzicist</a:t>
+            </a:r>
+            <a:r>
+              <a:rPr dirty="0" smtClean="0"/>
+              <a:t>”</a:t>
+            </a:r>
+            <a:endParaRPr dirty="0"/>
           </a:p>
         </p:txBody>
       </p:sp>
@@ -6416,8 +6427,8 @@
         </p:nvSpPr>
         <p:spPr>
           <a:xfrm>
-            <a:off x="1112837" y="3668507"/>
-            <a:ext cx="22158326" cy="1057276"/>
+            <a:off x="1112837" y="3755678"/>
+            <a:ext cx="22158326" cy="882933"/>
           </a:xfrm>
           <a:prstGeom prst="rect">
             <a:avLst/>
@@ -6427,7 +6438,7 @@
           </a:ln>
           <a:extLst>
             <a:ext uri="{C572A759-6A51-4108-AA02-DFA0A04FC94B}">
-              <ma14:wrappingTextBoxFlag xmlns:ma14="http://schemas.microsoft.com/office/mac/drawingml/2011/main" xmlns="" val="1"/>
+              <ma14:wrappingTextBoxFlag xmlns="" xmlns:ma14="http://schemas.microsoft.com/office/mac/drawingml/2011/main" val="1"/>
             </a:ext>
           </a:extLst>
         </p:spPr>
@@ -6450,8 +6461,14 @@
           </a:lstStyle>
           <a:p>
             <a:r>
-              <a:t>КТО ЦА вашего бота?</a:t>
-            </a:r>
+              <a:rPr dirty="0" smtClean="0"/>
+              <a:t>ЦА </a:t>
+            </a:r>
+            <a:r>
+              <a:rPr dirty="0" err="1" smtClean="0"/>
+              <a:t>бота</a:t>
+            </a:r>
+            <a:endParaRPr dirty="0"/>
           </a:p>
         </p:txBody>
       </p:sp>
@@ -6463,8 +6480,8 @@
         </p:nvSpPr>
         <p:spPr>
           <a:xfrm>
-            <a:off x="1112837" y="5400590"/>
-            <a:ext cx="22158326" cy="4511422"/>
+            <a:off x="1112837" y="4814178"/>
+            <a:ext cx="22158326" cy="5684247"/>
           </a:xfrm>
           <a:prstGeom prst="rect">
             <a:avLst/>
@@ -6474,7 +6491,7 @@
           </a:ln>
           <a:extLst>
             <a:ext uri="{C572A759-6A51-4108-AA02-DFA0A04FC94B}">
-              <ma14:wrappingTextBoxFlag xmlns:ma14="http://schemas.microsoft.com/office/mac/drawingml/2011/main" xmlns="" val="1"/>
+              <ma14:wrappingTextBoxFlag xmlns="" xmlns:ma14="http://schemas.microsoft.com/office/mac/drawingml/2011/main" val="1"/>
             </a:ext>
           </a:extLst>
         </p:spPr>
@@ -6495,8 +6512,26 @@
               </a:defRPr>
             </a:pPr>
             <a:r>
-              <a:t>…</a:t>
-            </a:r>
+              <a:rPr lang="en-US" dirty="0"/>
+              <a:t>Г</a:t>
+            </a:r>
+            <a:r>
+              <a:rPr lang="ru-RU" dirty="0" err="1" smtClean="0"/>
+              <a:t>руппа</a:t>
+            </a:r>
+            <a:r>
+              <a:rPr lang="ru-RU" dirty="0" smtClean="0"/>
+              <a:t> </a:t>
+            </a:r>
+            <a:r>
+              <a:rPr lang="ru-RU" dirty="0"/>
+              <a:t>людей желающих быстро и легко включить музыку которая всех </a:t>
+            </a:r>
+            <a:r>
+              <a:rPr lang="ru-RU" dirty="0" smtClean="0"/>
+              <a:t>устроит</a:t>
+            </a:r>
+            <a:endParaRPr dirty="0"/>
           </a:p>
           <a:p>
             <a:pPr marL="1058333" indent="-1058333" algn="l">
@@ -6510,8 +6545,54 @@
               </a:defRPr>
             </a:pPr>
             <a:r>
-              <a:t>…</a:t>
-            </a:r>
+              <a:rPr lang="ru-RU" dirty="0"/>
+              <a:t>поклонники </a:t>
+            </a:r>
+            <a:r>
+              <a:rPr lang="ru-RU" dirty="0" err="1"/>
+              <a:t>чатботов</a:t>
+            </a:r>
+            <a:r>
+              <a:rPr lang="ru-RU" dirty="0"/>
+              <a:t> могут слушать музыку не выходя из приложения </a:t>
+            </a:r>
+            <a:r>
+              <a:rPr lang="ru-RU" dirty="0" smtClean="0"/>
+              <a:t>чата</a:t>
+            </a:r>
+            <a:r>
+              <a:rPr lang="en-US" dirty="0" smtClean="0"/>
+              <a:t> </a:t>
+            </a:r>
+            <a:r>
+              <a:rPr lang="en-US" dirty="0" err="1" smtClean="0"/>
+              <a:t>как</a:t>
+            </a:r>
+            <a:r>
+              <a:rPr lang="en-US" dirty="0" smtClean="0"/>
+              <a:t> в </a:t>
+            </a:r>
+            <a:r>
+              <a:rPr lang="en-US" dirty="0" err="1" smtClean="0"/>
+              <a:t>компании</a:t>
+            </a:r>
+            <a:r>
+              <a:rPr lang="en-US" dirty="0" smtClean="0"/>
+              <a:t> </a:t>
+            </a:r>
+            <a:r>
+              <a:rPr lang="en-US" dirty="0" err="1" smtClean="0"/>
+              <a:t>так</a:t>
+            </a:r>
+            <a:r>
+              <a:rPr lang="en-US" dirty="0" smtClean="0"/>
+              <a:t> и </a:t>
+            </a:r>
+            <a:r>
+              <a:rPr lang="en-US" dirty="0" err="1" smtClean="0"/>
+              <a:t>одни</a:t>
+            </a:r>
+            <a:endParaRPr dirty="0"/>
           </a:p>
           <a:p>
             <a:pPr marL="1058333" indent="-1058333" algn="l">
@@ -6525,6 +6606,7 @@
               </a:defRPr>
             </a:pPr>
             <a:r>
+              <a:rPr dirty="0"/>
               <a:t>…</a:t>
             </a:r>
           </a:p>
@@ -6540,36 +6622,7 @@
               </a:defRPr>
             </a:pPr>
             <a:r>
-              <a:t>…</a:t>
-            </a:r>
-          </a:p>
-          <a:p>
-            <a:pPr marL="1058333" indent="-1058333" algn="l">
-              <a:buSzPct val="100000"/>
-              <a:buAutoNum type="arabicPeriod"/>
-              <a:defRPr sz="6000">
-                <a:latin typeface="Gotham Pro"/>
-                <a:ea typeface="Gotham Pro"/>
-                <a:cs typeface="Gotham Pro"/>
-                <a:sym typeface="Gotham Pro"/>
-              </a:defRPr>
-            </a:pPr>
-            <a:r>
-              <a:t>…</a:t>
-            </a:r>
-          </a:p>
-          <a:p>
-            <a:pPr marL="1058333" indent="-1058333" algn="l">
-              <a:buSzPct val="100000"/>
-              <a:buAutoNum type="arabicPeriod"/>
-              <a:defRPr sz="6000">
-                <a:latin typeface="Gotham Pro"/>
-                <a:ea typeface="Gotham Pro"/>
-                <a:cs typeface="Gotham Pro"/>
-                <a:sym typeface="Gotham Pro"/>
-              </a:defRPr>
-            </a:pPr>
-            <a:r>
+              <a:rPr dirty="0"/>
               <a:t>…</a:t>
             </a:r>
           </a:p>
@@ -6583,8 +6636,8 @@
         </p:nvSpPr>
         <p:spPr>
           <a:xfrm>
-            <a:off x="895245" y="877999"/>
-            <a:ext cx="4611244" cy="1222376"/>
+            <a:off x="895245" y="986165"/>
+            <a:ext cx="3980256" cy="1006044"/>
           </a:xfrm>
           <a:prstGeom prst="rect">
             <a:avLst/>
@@ -6594,7 +6647,7 @@
           </a:ln>
           <a:extLst>
             <a:ext uri="{C572A759-6A51-4108-AA02-DFA0A04FC94B}">
-              <ma14:wrappingTextBoxFlag xmlns:ma14="http://schemas.microsoft.com/office/mac/drawingml/2011/main" xmlns="" val="1"/>
+              <ma14:wrappingTextBoxFlag xmlns="" xmlns:ma14="http://schemas.microsoft.com/office/mac/drawingml/2011/main" val="1"/>
             </a:ext>
           </a:extLst>
         </p:spPr>
@@ -6617,59 +6670,18 @@
           </a:lstStyle>
           <a:p>
             <a:r>
-              <a:t>“ПРИВЕТ”</a:t>
-            </a:r>
-          </a:p>
-        </p:txBody>
-      </p:sp>
-      <p:sp>
-        <p:nvSpPr>
-          <p:cNvPr id="184" name="Shape 184"/>
-          <p:cNvSpPr/>
-          <p:nvPr/>
-        </p:nvSpPr>
-        <p:spPr>
-          <a:xfrm>
-            <a:off x="14288194" y="5629051"/>
-            <a:ext cx="8609212" cy="4903193"/>
-          </a:xfrm>
-          <a:prstGeom prst="rect">
-            <a:avLst/>
-          </a:prstGeom>
-          <a:blipFill>
-            <a:blip r:embed="rId2"/>
-          </a:blipFill>
-          <a:ln w="12700">
-            <a:miter lim="400000"/>
-          </a:ln>
-          <a:effectLst>
-            <a:outerShdw blurRad="50800" dist="25400" dir="5400000" rotWithShape="0">
-              <a:srgbClr val="000000">
-                <a:alpha val="50000"/>
-              </a:srgbClr>
-            </a:outerShdw>
-          </a:effectLst>
-          <a:extLst>
-            <a:ext uri="{C572A759-6A51-4108-AA02-DFA0A04FC94B}">
-              <ma14:wrappingTextBoxFlag xmlns:ma14="http://schemas.microsoft.com/office/mac/drawingml/2011/main" xmlns="" val="1"/>
-            </a:ext>
-          </a:extLst>
-        </p:spPr>
-        <p:txBody>
-          <a:bodyPr lIns="71437" tIns="71437" rIns="71437" bIns="71437" anchor="ctr"/>
-          <a:lstStyle>
-            <a:lvl1pPr>
-              <a:defRPr sz="3200">
-                <a:solidFill>
-                  <a:srgbClr val="FFFFFF"/>
-                </a:solidFill>
-              </a:defRPr>
-            </a:lvl1pPr>
-          </a:lstStyle>
-          <a:p>
-            <a:r>
-              <a:t>Можно картинками</a:t>
-            </a:r>
+              <a:rPr dirty="0" smtClean="0"/>
+              <a:t>“</a:t>
+            </a:r>
+            <a:r>
+              <a:rPr lang="en-US" dirty="0" err="1" smtClean="0"/>
+              <a:t>muzicist</a:t>
+            </a:r>
+            <a:r>
+              <a:rPr dirty="0" smtClean="0"/>
+              <a:t>”</a:t>
+            </a:r>
+            <a:endParaRPr dirty="0"/>
           </a:p>
         </p:txBody>
       </p:sp>
@@ -6682,7 +6694,7 @@
           <p:nvPr/>
         </p:nvPicPr>
         <p:blipFill>
-          <a:blip r:embed="rId3">
+          <a:blip r:embed="rId2">
             <a:extLst/>
           </a:blip>
           <a:srcRect l="2632" t="2638" r="2634" b="2634"/>
@@ -6762,7 +6774,7 @@
           <p:nvPr/>
         </p:nvPicPr>
         <p:blipFill>
-          <a:blip r:embed="rId4">
+          <a:blip r:embed="rId3">
             <a:extLst/>
           </a:blip>
           <a:srcRect r="66349"/>
@@ -6828,7 +6840,7 @@
           </a:ln>
           <a:extLst>
             <a:ext uri="{C572A759-6A51-4108-AA02-DFA0A04FC94B}">
-              <ma14:wrappingTextBoxFlag xmlns:ma14="http://schemas.microsoft.com/office/mac/drawingml/2011/main" xmlns="" val="1"/>
+              <ma14:wrappingTextBoxFlag xmlns="" xmlns:ma14="http://schemas.microsoft.com/office/mac/drawingml/2011/main" val="1"/>
             </a:ext>
           </a:extLst>
         </p:spPr>
@@ -6875,7 +6887,7 @@
           </a:ln>
           <a:extLst>
             <a:ext uri="{C572A759-6A51-4108-AA02-DFA0A04FC94B}">
-              <ma14:wrappingTextBoxFlag xmlns:ma14="http://schemas.microsoft.com/office/mac/drawingml/2011/main" xmlns="" val="1"/>
+              <ma14:wrappingTextBoxFlag xmlns="" xmlns:ma14="http://schemas.microsoft.com/office/mac/drawingml/2011/main" val="1"/>
             </a:ext>
           </a:extLst>
         </p:spPr>
@@ -6995,7 +7007,7 @@
           </a:ln>
           <a:extLst>
             <a:ext uri="{C572A759-6A51-4108-AA02-DFA0A04FC94B}">
-              <ma14:wrappingTextBoxFlag xmlns:ma14="http://schemas.microsoft.com/office/mac/drawingml/2011/main" xmlns="" val="1"/>
+              <ma14:wrappingTextBoxFlag xmlns="" xmlns:ma14="http://schemas.microsoft.com/office/mac/drawingml/2011/main" val="1"/>
             </a:ext>
           </a:extLst>
         </p:spPr>
@@ -7052,7 +7064,7 @@
           </a:effectLst>
           <a:extLst>
             <a:ext uri="{C572A759-6A51-4108-AA02-DFA0A04FC94B}">
-              <ma14:wrappingTextBoxFlag xmlns:ma14="http://schemas.microsoft.com/office/mac/drawingml/2011/main" xmlns="" val="1"/>
+              <ma14:wrappingTextBoxFlag xmlns="" xmlns:ma14="http://schemas.microsoft.com/office/mac/drawingml/2011/main" val="1"/>
             </a:ext>
           </a:extLst>
         </p:spPr>
@@ -7229,7 +7241,7 @@
           </a:ln>
           <a:extLst>
             <a:ext uri="{C572A759-6A51-4108-AA02-DFA0A04FC94B}">
-              <ma14:wrappingTextBoxFlag xmlns:ma14="http://schemas.microsoft.com/office/mac/drawingml/2011/main" xmlns="" val="1"/>
+              <ma14:wrappingTextBoxFlag xmlns="" xmlns:ma14="http://schemas.microsoft.com/office/mac/drawingml/2011/main" val="1"/>
             </a:ext>
           </a:extLst>
         </p:spPr>
@@ -7305,7 +7317,7 @@
           </a:ln>
           <a:extLst>
             <a:ext uri="{C572A759-6A51-4108-AA02-DFA0A04FC94B}">
-              <ma14:wrappingTextBoxFlag xmlns:ma14="http://schemas.microsoft.com/office/mac/drawingml/2011/main" xmlns="" val="1"/>
+              <ma14:wrappingTextBoxFlag xmlns="" xmlns:ma14="http://schemas.microsoft.com/office/mac/drawingml/2011/main" val="1"/>
             </a:ext>
           </a:extLst>
         </p:spPr>
@@ -7488,7 +7500,7 @@
           </a:ln>
           <a:extLst>
             <a:ext uri="{C572A759-6A51-4108-AA02-DFA0A04FC94B}">
-              <ma14:wrappingTextBoxFlag xmlns:ma14="http://schemas.microsoft.com/office/mac/drawingml/2011/main" xmlns="" val="1"/>
+              <ma14:wrappingTextBoxFlag xmlns="" xmlns:ma14="http://schemas.microsoft.com/office/mac/drawingml/2011/main" val="1"/>
             </a:ext>
           </a:extLst>
         </p:spPr>
@@ -7535,7 +7547,7 @@
           </a:ln>
           <a:extLst>
             <a:ext uri="{C572A759-6A51-4108-AA02-DFA0A04FC94B}">
-              <ma14:wrappingTextBoxFlag xmlns:ma14="http://schemas.microsoft.com/office/mac/drawingml/2011/main" xmlns="" val="1"/>
+              <ma14:wrappingTextBoxFlag xmlns="" xmlns:ma14="http://schemas.microsoft.com/office/mac/drawingml/2011/main" val="1"/>
             </a:ext>
           </a:extLst>
         </p:spPr>
@@ -7588,7 +7600,7 @@
           </a:ln>
           <a:extLst>
             <a:ext uri="{C572A759-6A51-4108-AA02-DFA0A04FC94B}">
-              <ma14:wrappingTextBoxFlag xmlns:ma14="http://schemas.microsoft.com/office/mac/drawingml/2011/main" xmlns="" val="1"/>
+              <ma14:wrappingTextBoxFlag xmlns="" xmlns:ma14="http://schemas.microsoft.com/office/mac/drawingml/2011/main" val="1"/>
             </a:ext>
           </a:extLst>
         </p:spPr>
@@ -7643,7 +7655,7 @@
           </a:ln>
           <a:extLst>
             <a:ext uri="{C572A759-6A51-4108-AA02-DFA0A04FC94B}">
-              <ma14:wrappingTextBoxFlag xmlns:ma14="http://schemas.microsoft.com/office/mac/drawingml/2011/main" xmlns="" val="1"/>
+              <ma14:wrappingTextBoxFlag xmlns="" xmlns:ma14="http://schemas.microsoft.com/office/mac/drawingml/2011/main" val="1"/>
             </a:ext>
           </a:extLst>
         </p:spPr>
@@ -7698,7 +7710,7 @@
           </a:ln>
           <a:extLst>
             <a:ext uri="{C572A759-6A51-4108-AA02-DFA0A04FC94B}">
-              <ma14:wrappingTextBoxFlag xmlns:ma14="http://schemas.microsoft.com/office/mac/drawingml/2011/main" xmlns="" val="1"/>
+              <ma14:wrappingTextBoxFlag xmlns="" xmlns:ma14="http://schemas.microsoft.com/office/mac/drawingml/2011/main" val="1"/>
             </a:ext>
           </a:extLst>
         </p:spPr>
@@ -7753,7 +7765,7 @@
           </a:ln>
           <a:extLst>
             <a:ext uri="{C572A759-6A51-4108-AA02-DFA0A04FC94B}">
-              <ma14:wrappingTextBoxFlag xmlns:ma14="http://schemas.microsoft.com/office/mac/drawingml/2011/main" xmlns="" val="1"/>
+              <ma14:wrappingTextBoxFlag xmlns="" xmlns:ma14="http://schemas.microsoft.com/office/mac/drawingml/2011/main" val="1"/>
             </a:ext>
           </a:extLst>
         </p:spPr>
@@ -7808,7 +7820,7 @@
           </a:ln>
           <a:extLst>
             <a:ext uri="{C572A759-6A51-4108-AA02-DFA0A04FC94B}">
-              <ma14:wrappingTextBoxFlag xmlns:ma14="http://schemas.microsoft.com/office/mac/drawingml/2011/main" xmlns="" val="1"/>
+              <ma14:wrappingTextBoxFlag xmlns="" xmlns:ma14="http://schemas.microsoft.com/office/mac/drawingml/2011/main" val="1"/>
             </a:ext>
           </a:extLst>
         </p:spPr>
@@ -8042,7 +8054,7 @@
           </a:ln>
           <a:extLst>
             <a:ext uri="{C572A759-6A51-4108-AA02-DFA0A04FC94B}">
-              <ma14:wrappingTextBoxFlag xmlns:ma14="http://schemas.microsoft.com/office/mac/drawingml/2011/main" xmlns="" val="1"/>
+              <ma14:wrappingTextBoxFlag xmlns="" xmlns:ma14="http://schemas.microsoft.com/office/mac/drawingml/2011/main" val="1"/>
             </a:ext>
           </a:extLst>
         </p:spPr>
@@ -8096,7 +8108,7 @@
           </a:ln>
           <a:extLst>
             <a:ext uri="{C572A759-6A51-4108-AA02-DFA0A04FC94B}">
-              <ma14:wrappingTextBoxFlag xmlns:ma14="http://schemas.microsoft.com/office/mac/drawingml/2011/main" xmlns="" val="1"/>
+              <ma14:wrappingTextBoxFlag xmlns="" xmlns:ma14="http://schemas.microsoft.com/office/mac/drawingml/2011/main" val="1"/>
             </a:ext>
           </a:extLst>
         </p:spPr>
@@ -8150,7 +8162,7 @@
           </a:ln>
           <a:extLst>
             <a:ext uri="{C572A759-6A51-4108-AA02-DFA0A04FC94B}">
-              <ma14:wrappingTextBoxFlag xmlns:ma14="http://schemas.microsoft.com/office/mac/drawingml/2011/main" xmlns="" val="1"/>
+              <ma14:wrappingTextBoxFlag xmlns="" xmlns:ma14="http://schemas.microsoft.com/office/mac/drawingml/2011/main" val="1"/>
             </a:ext>
           </a:extLst>
         </p:spPr>
@@ -8204,7 +8216,7 @@
           </a:ln>
           <a:extLst>
             <a:ext uri="{C572A759-6A51-4108-AA02-DFA0A04FC94B}">
-              <ma14:wrappingTextBoxFlag xmlns:ma14="http://schemas.microsoft.com/office/mac/drawingml/2011/main" xmlns="" val="1"/>
+              <ma14:wrappingTextBoxFlag xmlns="" xmlns:ma14="http://schemas.microsoft.com/office/mac/drawingml/2011/main" val="1"/>
             </a:ext>
           </a:extLst>
         </p:spPr>
@@ -8342,7 +8354,7 @@
           </a:effectLst>
           <a:extLst>
             <a:ext uri="{C572A759-6A51-4108-AA02-DFA0A04FC94B}">
-              <ma14:wrappingTextBoxFlag xmlns:ma14="http://schemas.microsoft.com/office/mac/drawingml/2011/main" xmlns="" val="1"/>
+              <ma14:wrappingTextBoxFlag xmlns="" xmlns:ma14="http://schemas.microsoft.com/office/mac/drawingml/2011/main" val="1"/>
             </a:ext>
           </a:extLst>
         </p:spPr>
@@ -8519,7 +8531,7 @@
           </a:ln>
           <a:extLst>
             <a:ext uri="{C572A759-6A51-4108-AA02-DFA0A04FC94B}">
-              <ma14:wrappingTextBoxFlag xmlns:ma14="http://schemas.microsoft.com/office/mac/drawingml/2011/main" xmlns="" val="1"/>
+              <ma14:wrappingTextBoxFlag xmlns="" xmlns:ma14="http://schemas.microsoft.com/office/mac/drawingml/2011/main" val="1"/>
             </a:ext>
           </a:extLst>
         </p:spPr>
@@ -8566,7 +8578,7 @@
           </a:ln>
           <a:extLst>
             <a:ext uri="{C572A759-6A51-4108-AA02-DFA0A04FC94B}">
-              <ma14:wrappingTextBoxFlag xmlns:ma14="http://schemas.microsoft.com/office/mac/drawingml/2011/main" xmlns="" val="1"/>
+              <ma14:wrappingTextBoxFlag xmlns="" xmlns:ma14="http://schemas.microsoft.com/office/mac/drawingml/2011/main" val="1"/>
             </a:ext>
           </a:extLst>
         </p:spPr>
@@ -8686,7 +8698,7 @@
           </a:ln>
           <a:extLst>
             <a:ext uri="{C572A759-6A51-4108-AA02-DFA0A04FC94B}">
-              <ma14:wrappingTextBoxFlag xmlns:ma14="http://schemas.microsoft.com/office/mac/drawingml/2011/main" xmlns="" val="1"/>
+              <ma14:wrappingTextBoxFlag xmlns="" xmlns:ma14="http://schemas.microsoft.com/office/mac/drawingml/2011/main" val="1"/>
             </a:ext>
           </a:extLst>
         </p:spPr>

--- a/muzicist.pptx
+++ b/muzicist.pptx
@@ -5,7 +5,7 @@
     <p:sldMasterId id="2147483648" r:id="rId1"/>
   </p:sldMasterIdLst>
   <p:notesMasterIdLst>
-    <p:notesMasterId r:id="rId16"/>
+    <p:notesMasterId r:id="rId14"/>
   </p:notesMasterIdLst>
   <p:sldIdLst>
     <p:sldId id="256" r:id="rId2"/>
@@ -14,14 +14,12 @@
     <p:sldId id="259" r:id="rId5"/>
     <p:sldId id="260" r:id="rId6"/>
     <p:sldId id="261" r:id="rId7"/>
-    <p:sldId id="262" r:id="rId8"/>
-    <p:sldId id="263" r:id="rId9"/>
-    <p:sldId id="264" r:id="rId10"/>
-    <p:sldId id="265" r:id="rId11"/>
-    <p:sldId id="266" r:id="rId12"/>
-    <p:sldId id="267" r:id="rId13"/>
-    <p:sldId id="268" r:id="rId14"/>
-    <p:sldId id="269" r:id="rId15"/>
+    <p:sldId id="263" r:id="rId8"/>
+    <p:sldId id="264" r:id="rId9"/>
+    <p:sldId id="265" r:id="rId10"/>
+    <p:sldId id="267" r:id="rId11"/>
+    <p:sldId id="268" r:id="rId12"/>
+    <p:sldId id="269" r:id="rId13"/>
   </p:sldIdLst>
   <p:sldSz cx="24384000" cy="13716000"/>
   <p:notesSz cx="6858000" cy="9144000"/>
@@ -2891,7 +2889,7 @@
           </a:ln>
           <a:extLst>
             <a:ext uri="{C572A759-6A51-4108-AA02-DFA0A04FC94B}">
-              <ma14:wrappingTextBoxFlag xmlns="" xmlns:ma14="http://schemas.microsoft.com/office/mac/drawingml/2011/main" val="1"/>
+              <ma14:wrappingTextBoxFlag xmlns:ma14="http://schemas.microsoft.com/office/mac/drawingml/2011/main" xmlns="" val="1"/>
             </a:ext>
           </a:extLst>
         </p:spPr>
@@ -2930,7 +2928,7 @@
           </a:ln>
           <a:extLst>
             <a:ext uri="{C572A759-6A51-4108-AA02-DFA0A04FC94B}">
-              <ma14:wrappingTextBoxFlag xmlns="" xmlns:ma14="http://schemas.microsoft.com/office/mac/drawingml/2011/main" val="1"/>
+              <ma14:wrappingTextBoxFlag xmlns:ma14="http://schemas.microsoft.com/office/mac/drawingml/2011/main" xmlns="" val="1"/>
             </a:ext>
           </a:extLst>
         </p:spPr>
@@ -3889,7 +3887,7 @@
           </a:ln>
           <a:extLst>
             <a:ext uri="{C572A759-6A51-4108-AA02-DFA0A04FC94B}">
-              <ma14:wrappingTextBoxFlag xmlns="" xmlns:ma14="http://schemas.microsoft.com/office/mac/drawingml/2011/main" val="1"/>
+              <ma14:wrappingTextBoxFlag xmlns:ma14="http://schemas.microsoft.com/office/mac/drawingml/2011/main" xmlns="" val="1"/>
             </a:ext>
           </a:extLst>
         </p:spPr>
@@ -3963,14 +3961,14 @@
       </p:grpSpPr>
       <p:sp>
         <p:nvSpPr>
-          <p:cNvPr id="229" name="Shape 229"/>
+          <p:cNvPr id="233" name="Shape 233"/>
           <p:cNvSpPr/>
           <p:nvPr/>
         </p:nvSpPr>
         <p:spPr>
           <a:xfrm>
-            <a:off x="1112837" y="5963602"/>
-            <a:ext cx="22158326" cy="1788796"/>
+            <a:off x="656627" y="6781800"/>
+            <a:ext cx="22158326" cy="882933"/>
           </a:xfrm>
           <a:prstGeom prst="rect">
             <a:avLst/>
@@ -3980,199 +3978,7 @@
           </a:ln>
           <a:extLst>
             <a:ext uri="{C572A759-6A51-4108-AA02-DFA0A04FC94B}">
-              <ma14:wrappingTextBoxFlag xmlns="" xmlns:ma14="http://schemas.microsoft.com/office/mac/drawingml/2011/main" val="1"/>
-            </a:ext>
-          </a:extLst>
-        </p:spPr>
-        <p:txBody>
-          <a:bodyPr lIns="71437" tIns="71437" rIns="71437" bIns="71437" anchor="ctr">
-            <a:spAutoFit/>
-          </a:bodyPr>
-          <a:lstStyle/>
-          <a:p>
-            <a:pPr>
-              <a:lnSpc>
-                <a:spcPct val="80000"/>
-              </a:lnSpc>
-              <a:defRPr sz="6000">
-                <a:latin typeface="Intro Black Caps"/>
-                <a:ea typeface="Intro Black Caps"/>
-                <a:cs typeface="Intro Black Caps"/>
-                <a:sym typeface="Intro Black Caps"/>
-              </a:defRPr>
-            </a:pPr>
-            <a:r>
-              <a:t>включаем</a:t>
-            </a:r>
-          </a:p>
-          <a:p>
-            <a:pPr>
-              <a:lnSpc>
-                <a:spcPct val="80000"/>
-              </a:lnSpc>
-              <a:defRPr sz="6000">
-                <a:latin typeface="Intro Black Caps"/>
-                <a:ea typeface="Intro Black Caps"/>
-                <a:cs typeface="Intro Black Caps"/>
-                <a:sym typeface="Intro Black Caps"/>
-              </a:defRPr>
-            </a:pPr>
-            <a:r>
-              <a:t>Скринкаст</a:t>
-            </a:r>
-          </a:p>
-        </p:txBody>
-      </p:sp>
-    </p:spTree>
-  </p:cSld>
-  <p:clrMapOvr>
-    <a:masterClrMapping/>
-  </p:clrMapOvr>
-  <p:transition spd="slow"/>
-</p:sld>
-</file>
-
-<file path=ppt/slides/slide11.xml><?xml version="1.0" encoding="utf-8"?>
-<p:sld xmlns:a="http://schemas.openxmlformats.org/drawingml/2006/main" xmlns:r="http://schemas.openxmlformats.org/officeDocument/2006/relationships" xmlns:p="http://schemas.openxmlformats.org/presentationml/2006/main">
-  <p:cSld>
-    <p:spTree>
-      <p:nvGrpSpPr>
-        <p:cNvPr id="1" name=""/>
-        <p:cNvGrpSpPr/>
-        <p:nvPr/>
-      </p:nvGrpSpPr>
-      <p:grpSpPr>
-        <a:xfrm>
-          <a:off x="0" y="0"/>
-          <a:ext cx="0" cy="0"/>
-          <a:chOff x="0" y="0"/>
-          <a:chExt cx="0" cy="0"/>
-        </a:xfrm>
-      </p:grpSpPr>
-      <p:sp>
-        <p:nvSpPr>
-          <p:cNvPr id="231" name="Shape 231"/>
-          <p:cNvSpPr/>
-          <p:nvPr/>
-        </p:nvSpPr>
-        <p:spPr>
-          <a:xfrm>
-            <a:off x="1112837" y="5597842"/>
-            <a:ext cx="22158326" cy="2520316"/>
-          </a:xfrm>
-          <a:prstGeom prst="rect">
-            <a:avLst/>
-          </a:prstGeom>
-          <a:ln w="12700">
-            <a:miter lim="400000"/>
-          </a:ln>
-          <a:extLst>
-            <a:ext uri="{C572A759-6A51-4108-AA02-DFA0A04FC94B}">
-              <ma14:wrappingTextBoxFlag xmlns="" xmlns:ma14="http://schemas.microsoft.com/office/mac/drawingml/2011/main" val="1"/>
-            </a:ext>
-          </a:extLst>
-        </p:spPr>
-        <p:txBody>
-          <a:bodyPr lIns="71437" tIns="71437" rIns="71437" bIns="71437" anchor="ctr">
-            <a:spAutoFit/>
-          </a:bodyPr>
-          <a:lstStyle/>
-          <a:p>
-            <a:pPr>
-              <a:lnSpc>
-                <a:spcPct val="80000"/>
-              </a:lnSpc>
-              <a:defRPr sz="6000">
-                <a:latin typeface="Intro Black Caps"/>
-                <a:ea typeface="Intro Black Caps"/>
-                <a:cs typeface="Intro Black Caps"/>
-                <a:sym typeface="Intro Black Caps"/>
-              </a:defRPr>
-            </a:pPr>
-            <a:r>
-              <a:t>включаем</a:t>
-            </a:r>
-          </a:p>
-          <a:p>
-            <a:pPr>
-              <a:lnSpc>
-                <a:spcPct val="80000"/>
-              </a:lnSpc>
-              <a:defRPr sz="6000">
-                <a:latin typeface="Intro Black Caps"/>
-                <a:ea typeface="Intro Black Caps"/>
-                <a:cs typeface="Intro Black Caps"/>
-                <a:sym typeface="Intro Black Caps"/>
-              </a:defRPr>
-            </a:pPr>
-            <a:r>
-              <a:t>ЛАЙВ</a:t>
-            </a:r>
-          </a:p>
-          <a:p>
-            <a:pPr>
-              <a:lnSpc>
-                <a:spcPct val="80000"/>
-              </a:lnSpc>
-              <a:defRPr sz="6000">
-                <a:latin typeface="Intro Black Caps"/>
-                <a:ea typeface="Intro Black Caps"/>
-                <a:cs typeface="Intro Black Caps"/>
-                <a:sym typeface="Intro Black Caps"/>
-              </a:defRPr>
-            </a:pPr>
-            <a:r>
-              <a:t>(ЕСЛИ технически возможно и если успеете)</a:t>
-            </a:r>
-          </a:p>
-        </p:txBody>
-      </p:sp>
-    </p:spTree>
-  </p:cSld>
-  <p:clrMapOvr>
-    <a:masterClrMapping/>
-  </p:clrMapOvr>
-  <p:transition spd="slow"/>
-</p:sld>
-</file>
-
-<file path=ppt/slides/slide12.xml><?xml version="1.0" encoding="utf-8"?>
-<p:sld xmlns:a="http://schemas.openxmlformats.org/drawingml/2006/main" xmlns:r="http://schemas.openxmlformats.org/officeDocument/2006/relationships" xmlns:p="http://schemas.openxmlformats.org/presentationml/2006/main">
-  <p:cSld>
-    <p:spTree>
-      <p:nvGrpSpPr>
-        <p:cNvPr id="1" name=""/>
-        <p:cNvGrpSpPr/>
-        <p:nvPr/>
-      </p:nvGrpSpPr>
-      <p:grpSpPr>
-        <a:xfrm>
-          <a:off x="0" y="0"/>
-          <a:ext cx="0" cy="0"/>
-          <a:chOff x="0" y="0"/>
-          <a:chExt cx="0" cy="0"/>
-        </a:xfrm>
-      </p:grpSpPr>
-      <p:sp>
-        <p:nvSpPr>
-          <p:cNvPr id="233" name="Shape 233"/>
-          <p:cNvSpPr/>
-          <p:nvPr/>
-        </p:nvSpPr>
-        <p:spPr>
-          <a:xfrm>
-            <a:off x="1112837" y="3668507"/>
-            <a:ext cx="22158326" cy="1057276"/>
-          </a:xfrm>
-          <a:prstGeom prst="rect">
-            <a:avLst/>
-          </a:prstGeom>
-          <a:ln w="12700">
-            <a:miter lim="400000"/>
-          </a:ln>
-          <a:extLst>
-            <a:ext uri="{C572A759-6A51-4108-AA02-DFA0A04FC94B}">
-              <ma14:wrappingTextBoxFlag xmlns="" xmlns:ma14="http://schemas.microsoft.com/office/mac/drawingml/2011/main" val="1"/>
+              <ma14:wrappingTextBoxFlag xmlns:ma14="http://schemas.microsoft.com/office/mac/drawingml/2011/main" xmlns="" val="1"/>
             </a:ext>
           </a:extLst>
         </p:spPr>
@@ -4194,129 +4000,28 @@
             </a:lvl1pPr>
           </a:lstStyle>
           <a:p>
-            <a:r>
-              <a:t>Куда можно развить</a:t>
-            </a:r>
-          </a:p>
-        </p:txBody>
-      </p:sp>
-      <p:sp>
-        <p:nvSpPr>
-          <p:cNvPr id="234" name="Shape 234"/>
-          <p:cNvSpPr/>
-          <p:nvPr/>
-        </p:nvSpPr>
-        <p:spPr>
-          <a:xfrm>
-            <a:off x="1112837" y="4943390"/>
-            <a:ext cx="22158326" cy="4511422"/>
-          </a:xfrm>
-          <a:prstGeom prst="rect">
-            <a:avLst/>
-          </a:prstGeom>
-          <a:ln w="12700">
-            <a:miter lim="400000"/>
-          </a:ln>
-          <a:extLst>
-            <a:ext uri="{C572A759-6A51-4108-AA02-DFA0A04FC94B}">
-              <ma14:wrappingTextBoxFlag xmlns="" xmlns:ma14="http://schemas.microsoft.com/office/mac/drawingml/2011/main" val="1"/>
-            </a:ext>
-          </a:extLst>
-        </p:spPr>
-        <p:txBody>
-          <a:bodyPr lIns="71437" tIns="71437" rIns="71437" bIns="71437" anchor="ctr">
-            <a:spAutoFit/>
-          </a:bodyPr>
-          <a:lstStyle/>
-          <a:p>
-            <a:pPr marL="1058333" indent="-1058333" algn="l">
-              <a:buSzPct val="100000"/>
-              <a:buAutoNum type="arabicPeriod"/>
-              <a:defRPr sz="6000">
-                <a:latin typeface="Gotham Pro"/>
-                <a:ea typeface="Gotham Pro"/>
-                <a:cs typeface="Gotham Pro"/>
-                <a:sym typeface="Gotham Pro"/>
-              </a:defRPr>
-            </a:pPr>
-            <a:r>
-              <a:t>…</a:t>
-            </a:r>
-          </a:p>
-          <a:p>
-            <a:pPr marL="1058333" indent="-1058333" algn="l">
-              <a:buSzPct val="100000"/>
-              <a:buAutoNum type="arabicPeriod"/>
-              <a:defRPr sz="6000">
-                <a:latin typeface="Gotham Pro"/>
-                <a:ea typeface="Gotham Pro"/>
-                <a:cs typeface="Gotham Pro"/>
-                <a:sym typeface="Gotham Pro"/>
-              </a:defRPr>
-            </a:pPr>
-            <a:r>
-              <a:t>…</a:t>
-            </a:r>
-          </a:p>
-          <a:p>
-            <a:pPr marL="1058333" indent="-1058333" algn="l">
-              <a:buSzPct val="100000"/>
-              <a:buAutoNum type="arabicPeriod"/>
-              <a:defRPr sz="6000">
-                <a:latin typeface="Gotham Pro"/>
-                <a:ea typeface="Gotham Pro"/>
-                <a:cs typeface="Gotham Pro"/>
-                <a:sym typeface="Gotham Pro"/>
-              </a:defRPr>
-            </a:pPr>
-            <a:r>
-              <a:t>…</a:t>
-            </a:r>
-          </a:p>
-          <a:p>
-            <a:pPr marL="1058333" indent="-1058333" algn="l">
-              <a:buSzPct val="100000"/>
-              <a:buAutoNum type="arabicPeriod"/>
-              <a:defRPr sz="6000">
-                <a:latin typeface="Gotham Pro"/>
-                <a:ea typeface="Gotham Pro"/>
-                <a:cs typeface="Gotham Pro"/>
-                <a:sym typeface="Gotham Pro"/>
-              </a:defRPr>
-            </a:pPr>
-            <a:r>
-              <a:t>…</a:t>
-            </a:r>
-          </a:p>
-          <a:p>
-            <a:pPr marL="1058333" indent="-1058333" algn="l">
-              <a:buSzPct val="100000"/>
-              <a:buAutoNum type="arabicPeriod"/>
-              <a:defRPr sz="6000">
-                <a:latin typeface="Gotham Pro"/>
-                <a:ea typeface="Gotham Pro"/>
-                <a:cs typeface="Gotham Pro"/>
-                <a:sym typeface="Gotham Pro"/>
-              </a:defRPr>
-            </a:pPr>
-            <a:r>
-              <a:t>…</a:t>
-            </a:r>
-          </a:p>
-          <a:p>
-            <a:pPr marL="1058333" indent="-1058333" algn="l">
-              <a:buSzPct val="100000"/>
-              <a:buAutoNum type="arabicPeriod"/>
-              <a:defRPr sz="6000">
-                <a:latin typeface="Gotham Pro"/>
-                <a:ea typeface="Gotham Pro"/>
-                <a:cs typeface="Gotham Pro"/>
-                <a:sym typeface="Gotham Pro"/>
-              </a:defRPr>
-            </a:pPr>
-            <a:r>
-              <a:t>…</a:t>
-            </a:r>
+            <a:pPr algn="ctr"/>
+            <a:r>
+              <a:rPr dirty="0" err="1"/>
+              <a:t>Куда</a:t>
+            </a:r>
+            <a:r>
+              <a:rPr dirty="0"/>
+              <a:t> </a:t>
+            </a:r>
+            <a:r>
+              <a:rPr dirty="0" err="1"/>
+              <a:t>можно</a:t>
+            </a:r>
+            <a:r>
+              <a:rPr dirty="0"/>
+              <a:t> </a:t>
+            </a:r>
+            <a:r>
+              <a:rPr dirty="0" err="1"/>
+              <a:t>развить</a:t>
+            </a:r>
+            <a:endParaRPr dirty="0"/>
           </a:p>
         </p:txBody>
       </p:sp>
@@ -4339,7 +4044,7 @@
           </a:ln>
           <a:extLst>
             <a:ext uri="{C572A759-6A51-4108-AA02-DFA0A04FC94B}">
-              <ma14:wrappingTextBoxFlag xmlns="" xmlns:ma14="http://schemas.microsoft.com/office/mac/drawingml/2011/main" val="1"/>
+              <ma14:wrappingTextBoxFlag xmlns:ma14="http://schemas.microsoft.com/office/mac/drawingml/2011/main" xmlns="" val="1"/>
             </a:ext>
           </a:extLst>
         </p:spPr>
@@ -4486,7 +4191,7 @@
 </p:sld>
 </file>
 
-<file path=ppt/slides/slide13.xml><?xml version="1.0" encoding="utf-8"?>
+<file path=ppt/slides/slide11.xml><?xml version="1.0" encoding="utf-8"?>
 <p:sld xmlns:a="http://schemas.openxmlformats.org/drawingml/2006/main" xmlns:r="http://schemas.openxmlformats.org/officeDocument/2006/relationships" xmlns:p="http://schemas.openxmlformats.org/presentationml/2006/main">
   <p:cSld>
     <p:spTree>
@@ -4511,8 +4216,8 @@
         </p:nvSpPr>
         <p:spPr>
           <a:xfrm>
-            <a:off x="1112837" y="3668507"/>
-            <a:ext cx="22158326" cy="1057276"/>
+            <a:off x="1112837" y="3755678"/>
+            <a:ext cx="22158326" cy="882933"/>
           </a:xfrm>
           <a:prstGeom prst="rect">
             <a:avLst/>
@@ -4522,7 +4227,7 @@
           </a:ln>
           <a:extLst>
             <a:ext uri="{C572A759-6A51-4108-AA02-DFA0A04FC94B}">
-              <ma14:wrappingTextBoxFlag xmlns="" xmlns:ma14="http://schemas.microsoft.com/office/mac/drawingml/2011/main" val="1"/>
+              <ma14:wrappingTextBoxFlag xmlns:ma14="http://schemas.microsoft.com/office/mac/drawingml/2011/main" xmlns="" val="1"/>
             </a:ext>
           </a:extLst>
         </p:spPr>
@@ -4545,8 +4250,10 @@
           </a:lstStyle>
           <a:p>
             <a:r>
-              <a:t>как найти бота, чтобы попробовать?</a:t>
-            </a:r>
+              <a:rPr lang="en-US" dirty="0" smtClean="0"/>
+              <a:t>Telegram</a:t>
+            </a:r>
+            <a:endParaRPr dirty="0"/>
           </a:p>
         </p:txBody>
       </p:sp>
@@ -4558,8 +4265,8 @@
         </p:nvSpPr>
         <p:spPr>
           <a:xfrm>
-            <a:off x="1112837" y="5083090"/>
-            <a:ext cx="22158326" cy="2301622"/>
+            <a:off x="1112837" y="5700101"/>
+            <a:ext cx="22158326" cy="1067599"/>
           </a:xfrm>
           <a:prstGeom prst="rect">
             <a:avLst/>
@@ -4569,7 +4276,7 @@
           </a:ln>
           <a:extLst>
             <a:ext uri="{C572A759-6A51-4108-AA02-DFA0A04FC94B}">
-              <ma14:wrappingTextBoxFlag xmlns="" xmlns:ma14="http://schemas.microsoft.com/office/mac/drawingml/2011/main" val="1"/>
+              <ma14:wrappingTextBoxFlag xmlns:ma14="http://schemas.microsoft.com/office/mac/drawingml/2011/main" xmlns="" val="1"/>
             </a:ext>
           </a:extLst>
         </p:spPr>
@@ -4579,9 +4286,8 @@
           </a:bodyPr>
           <a:lstStyle/>
           <a:p>
-            <a:pPr marL="1058333" indent="-1058333" algn="l">
+            <a:pPr algn="l">
               <a:buSzPct val="100000"/>
-              <a:buAutoNum type="arabicPeriod"/>
               <a:defRPr sz="6000">
                 <a:latin typeface="Gotham Pro"/>
                 <a:ea typeface="Gotham Pro"/>
@@ -4590,38 +4296,14 @@
               </a:defRPr>
             </a:pPr>
             <a:r>
-              <a:t>…</a:t>
-            </a:r>
-          </a:p>
-          <a:p>
-            <a:pPr marL="1058333" indent="-1058333" algn="l">
-              <a:buSzPct val="100000"/>
-              <a:buAutoNum type="arabicPeriod"/>
-              <a:defRPr sz="6000">
-                <a:latin typeface="Gotham Pro"/>
-                <a:ea typeface="Gotham Pro"/>
-                <a:cs typeface="Gotham Pro"/>
-                <a:sym typeface="Gotham Pro"/>
-              </a:defRPr>
-            </a:pPr>
-            <a:r>
-              <a:t>…</a:t>
-            </a:r>
-          </a:p>
-          <a:p>
-            <a:pPr marL="1058333" indent="-1058333" algn="l">
-              <a:buSzPct val="100000"/>
-              <a:buAutoNum type="arabicPeriod"/>
-              <a:defRPr sz="6000">
-                <a:latin typeface="Gotham Pro"/>
-                <a:ea typeface="Gotham Pro"/>
-                <a:cs typeface="Gotham Pro"/>
-                <a:sym typeface="Gotham Pro"/>
-              </a:defRPr>
-            </a:pPr>
-            <a:r>
-              <a:t>…</a:t>
-            </a:r>
+              <a:rPr lang="en-US" dirty="0" smtClean="0"/>
+              <a:t>@</a:t>
+            </a:r>
+            <a:r>
+              <a:rPr lang="en-US" dirty="0" err="1" smtClean="0"/>
+              <a:t>muzicist_bot</a:t>
+            </a:r>
+            <a:endParaRPr dirty="0"/>
           </a:p>
         </p:txBody>
       </p:sp>
@@ -4644,7 +4326,7 @@
           </a:ln>
           <a:extLst>
             <a:ext uri="{C572A759-6A51-4108-AA02-DFA0A04FC94B}">
-              <ma14:wrappingTextBoxFlag xmlns="" xmlns:ma14="http://schemas.microsoft.com/office/mac/drawingml/2011/main" val="1"/>
+              <ma14:wrappingTextBoxFlag xmlns:ma14="http://schemas.microsoft.com/office/mac/drawingml/2011/main" xmlns="" val="1"/>
             </a:ext>
           </a:extLst>
         </p:spPr>
@@ -4691,7 +4373,7 @@
           </a:ln>
           <a:extLst>
             <a:ext uri="{C572A759-6A51-4108-AA02-DFA0A04FC94B}">
-              <ma14:wrappingTextBoxFlag xmlns="" xmlns:ma14="http://schemas.microsoft.com/office/mac/drawingml/2011/main" val="1"/>
+              <ma14:wrappingTextBoxFlag xmlns:ma14="http://schemas.microsoft.com/office/mac/drawingml/2011/main" xmlns="" val="1"/>
             </a:ext>
           </a:extLst>
         </p:spPr>
@@ -4727,8 +4409,8 @@
         </p:nvSpPr>
         <p:spPr>
           <a:xfrm>
-            <a:off x="1112837" y="9645577"/>
-            <a:ext cx="22158326" cy="828422"/>
+            <a:off x="1112837" y="9525989"/>
+            <a:ext cx="22158326" cy="1067599"/>
           </a:xfrm>
           <a:prstGeom prst="rect">
             <a:avLst/>
@@ -4738,7 +4420,7 @@
           </a:ln>
           <a:extLst>
             <a:ext uri="{C572A759-6A51-4108-AA02-DFA0A04FC94B}">
-              <ma14:wrappingTextBoxFlag xmlns="" xmlns:ma14="http://schemas.microsoft.com/office/mac/drawingml/2011/main" val="1"/>
+              <ma14:wrappingTextBoxFlag xmlns:ma14="http://schemas.microsoft.com/office/mac/drawingml/2011/main" xmlns="" val="1"/>
             </a:ext>
           </a:extLst>
         </p:spPr>
@@ -4760,8 +4442,22 @@
           </a:lstStyle>
           <a:p>
             <a:r>
-              <a:t>…</a:t>
-            </a:r>
+              <a:rPr lang="en-US" dirty="0" smtClean="0"/>
+              <a:t>/</a:t>
+            </a:r>
+            <a:r>
+              <a:rPr lang="en-US" dirty="0" err="1" smtClean="0"/>
+              <a:t>seniorivn</a:t>
+            </a:r>
+            <a:r>
+              <a:rPr lang="en-US" dirty="0" smtClean="0"/>
+              <a:t>/</a:t>
+            </a:r>
+            <a:r>
+              <a:rPr lang="en-US" dirty="0" err="1" smtClean="0"/>
+              <a:t>muzicist</a:t>
+            </a:r>
+            <a:endParaRPr dirty="0"/>
           </a:p>
         </p:txBody>
       </p:sp>
@@ -4784,7 +4480,7 @@
           </a:ln>
           <a:extLst>
             <a:ext uri="{C572A759-6A51-4108-AA02-DFA0A04FC94B}">
-              <ma14:wrappingTextBoxFlag xmlns="" xmlns:ma14="http://schemas.microsoft.com/office/mac/drawingml/2011/main" val="1"/>
+              <ma14:wrappingTextBoxFlag xmlns:ma14="http://schemas.microsoft.com/office/mac/drawingml/2011/main" xmlns="" val="1"/>
             </a:ext>
           </a:extLst>
         </p:spPr>
@@ -4820,8 +4516,8 @@
         </p:nvSpPr>
         <p:spPr>
           <a:xfrm>
-            <a:off x="1112837" y="12490377"/>
-            <a:ext cx="22158326" cy="828422"/>
+            <a:off x="1112837" y="12370789"/>
+            <a:ext cx="22158326" cy="1067599"/>
           </a:xfrm>
           <a:prstGeom prst="rect">
             <a:avLst/>
@@ -4831,7 +4527,7 @@
           </a:ln>
           <a:extLst>
             <a:ext uri="{C572A759-6A51-4108-AA02-DFA0A04FC94B}">
-              <ma14:wrappingTextBoxFlag xmlns="" xmlns:ma14="http://schemas.microsoft.com/office/mac/drawingml/2011/main" val="1"/>
+              <ma14:wrappingTextBoxFlag xmlns:ma14="http://schemas.microsoft.com/office/mac/drawingml/2011/main" xmlns="" val="1"/>
             </a:ext>
           </a:extLst>
         </p:spPr>
@@ -4853,8 +4549,10 @@
           </a:lstStyle>
           <a:p>
             <a:r>
-              <a:t>…</a:t>
-            </a:r>
+              <a:rPr lang="en-US" dirty="0" smtClean="0"/>
+              <a:t>ivan.d.balashov@gmail.com</a:t>
+            </a:r>
+            <a:endParaRPr dirty="0"/>
           </a:p>
         </p:txBody>
       </p:sp>
@@ -4977,7 +4675,7 @@
 </p:sld>
 </file>
 
-<file path=ppt/slides/slide14.xml><?xml version="1.0" encoding="utf-8"?>
+<file path=ppt/slides/slide12.xml><?xml version="1.0" encoding="utf-8"?>
 <p:sld xmlns:a="http://schemas.openxmlformats.org/drawingml/2006/main" xmlns:r="http://schemas.openxmlformats.org/officeDocument/2006/relationships" xmlns:p="http://schemas.openxmlformats.org/presentationml/2006/main">
   <p:cSld>
     <p:spTree>
@@ -5070,7 +4768,7 @@
           </a:ln>
           <a:extLst>
             <a:ext uri="{C572A759-6A51-4108-AA02-DFA0A04FC94B}">
-              <ma14:wrappingTextBoxFlag xmlns="" xmlns:ma14="http://schemas.microsoft.com/office/mac/drawingml/2011/main" val="1"/>
+              <ma14:wrappingTextBoxFlag xmlns:ma14="http://schemas.microsoft.com/office/mac/drawingml/2011/main" xmlns="" val="1"/>
             </a:ext>
           </a:extLst>
         </p:spPr>
@@ -5098,86 +4796,6 @@
           </a:p>
         </p:txBody>
       </p:sp>
-      <p:pic>
-        <p:nvPicPr>
-          <p:cNvPr id="153" name="pasted-image.png"/>
-          <p:cNvPicPr>
-            <a:picLocks noChangeAspect="1"/>
-          </p:cNvPicPr>
-          <p:nvPr/>
-        </p:nvPicPr>
-        <p:blipFill>
-          <a:blip r:embed="rId2">
-            <a:extLst/>
-          </a:blip>
-          <a:srcRect l="63294" t="48199" r="34188" b="47320"/>
-          <a:stretch>
-            <a:fillRect/>
-          </a:stretch>
-        </p:blipFill>
-        <p:spPr>
-          <a:xfrm>
-            <a:off x="7924800" y="5257800"/>
-            <a:ext cx="6375222" cy="6375297"/>
-          </a:xfrm>
-          <a:custGeom>
-            <a:avLst/>
-            <a:gdLst/>
-            <a:ahLst/>
-            <a:cxnLst>
-              <a:cxn ang="0">
-                <a:pos x="wd2" y="hd2"/>
-              </a:cxn>
-              <a:cxn ang="5400000">
-                <a:pos x="wd2" y="hd2"/>
-              </a:cxn>
-              <a:cxn ang="10800000">
-                <a:pos x="wd2" y="hd2"/>
-              </a:cxn>
-              <a:cxn ang="16200000">
-                <a:pos x="wd2" y="hd2"/>
-              </a:cxn>
-            </a:cxnLst>
-            <a:rect l="0" t="0" r="r" b="b"/>
-            <a:pathLst>
-              <a:path w="19679" h="20595" extrusionOk="0">
-                <a:moveTo>
-                  <a:pt x="9839" y="0"/>
-                </a:moveTo>
-                <a:cubicBezTo>
-                  <a:pt x="7321" y="0"/>
-                  <a:pt x="4803" y="1006"/>
-                  <a:pt x="2882" y="3016"/>
-                </a:cubicBezTo>
-                <a:cubicBezTo>
-                  <a:pt x="-961" y="7038"/>
-                  <a:pt x="-961" y="13557"/>
-                  <a:pt x="2882" y="17579"/>
-                </a:cubicBezTo>
-                <a:cubicBezTo>
-                  <a:pt x="6724" y="21600"/>
-                  <a:pt x="12954" y="21600"/>
-                  <a:pt x="16796" y="17579"/>
-                </a:cubicBezTo>
-                <a:cubicBezTo>
-                  <a:pt x="20639" y="13557"/>
-                  <a:pt x="20639" y="7038"/>
-                  <a:pt x="16796" y="3016"/>
-                </a:cubicBezTo>
-                <a:cubicBezTo>
-                  <a:pt x="14875" y="1006"/>
-                  <a:pt x="12357" y="0"/>
-                  <a:pt x="9839" y="0"/>
-                </a:cubicBezTo>
-                <a:close/>
-              </a:path>
-            </a:pathLst>
-          </a:custGeom>
-          <a:ln w="12700">
-            <a:miter lim="400000"/>
-          </a:ln>
-        </p:spPr>
-      </p:pic>
       <p:sp>
         <p:nvSpPr>
           <p:cNvPr id="156" name="Shape 156"/>
@@ -5186,8 +4804,8 @@
         </p:nvSpPr>
         <p:spPr>
           <a:xfrm>
-            <a:off x="1998592" y="9601953"/>
-            <a:ext cx="6992740" cy="1129154"/>
+            <a:off x="2709792" y="7432358"/>
+            <a:ext cx="15527408" cy="2114039"/>
           </a:xfrm>
           <a:prstGeom prst="rect">
             <a:avLst/>
@@ -5197,12 +4815,12 @@
           </a:ln>
           <a:extLst>
             <a:ext uri="{C572A759-6A51-4108-AA02-DFA0A04FC94B}">
-              <ma14:wrappingTextBoxFlag xmlns="" xmlns:ma14="http://schemas.microsoft.com/office/mac/drawingml/2011/main" val="1"/>
+              <ma14:wrappingTextBoxFlag xmlns:ma14="http://schemas.microsoft.com/office/mac/drawingml/2011/main" xmlns="" val="1"/>
             </a:ext>
           </a:extLst>
         </p:spPr>
         <p:txBody>
-          <a:bodyPr lIns="71437" tIns="71437" rIns="71437" bIns="71437" anchor="ctr">
+          <a:bodyPr wrap="square" lIns="71437" tIns="71437" rIns="71437" bIns="71437" anchor="ctr">
             <a:spAutoFit/>
           </a:bodyPr>
           <a:lstStyle/>
@@ -5248,6 +4866,38 @@
               <a:rPr lang="en-US" dirty="0" err="1" smtClean="0"/>
               <a:t>ов</a:t>
             </a:r>
+            <a:endParaRPr lang="en-US" dirty="0" smtClean="0"/>
+          </a:p>
+          <a:p>
+            <a:pPr>
+              <a:lnSpc>
+                <a:spcPct val="80000"/>
+              </a:lnSpc>
+              <a:defRPr sz="4000">
+                <a:latin typeface="Intro Black Caps"/>
+                <a:ea typeface="Intro Black Caps"/>
+                <a:cs typeface="Intro Black Caps"/>
+                <a:sym typeface="Intro Black Caps"/>
+              </a:defRPr>
+            </a:pPr>
+            <a:endParaRPr lang="en-US" dirty="0" smtClean="0"/>
+          </a:p>
+          <a:p>
+            <a:pPr>
+              <a:lnSpc>
+                <a:spcPct val="80000"/>
+              </a:lnSpc>
+              <a:defRPr sz="4000">
+                <a:latin typeface="Intro Black Caps"/>
+                <a:ea typeface="Intro Black Caps"/>
+                <a:cs typeface="Intro Black Caps"/>
+                <a:sym typeface="Intro Black Caps"/>
+              </a:defRPr>
+            </a:pPr>
+            <a:r>
+              <a:rPr lang="ru-RU" dirty="0"/>
+              <a:t>Разработчик</a:t>
+            </a:r>
             <a:endParaRPr dirty="0"/>
           </a:p>
         </p:txBody>
@@ -5260,8 +4910,8 @@
         </p:nvSpPr>
         <p:spPr>
           <a:xfrm>
-            <a:off x="1998592" y="10747671"/>
-            <a:ext cx="6992740" cy="636712"/>
+            <a:off x="1998592" y="9667314"/>
+            <a:ext cx="16213208" cy="636712"/>
           </a:xfrm>
           <a:prstGeom prst="rect">
             <a:avLst/>
@@ -5271,12 +4921,12 @@
           </a:ln>
           <a:extLst>
             <a:ext uri="{C572A759-6A51-4108-AA02-DFA0A04FC94B}">
-              <ma14:wrappingTextBoxFlag xmlns="" xmlns:ma14="http://schemas.microsoft.com/office/mac/drawingml/2011/main" val="1"/>
+              <ma14:wrappingTextBoxFlag xmlns:ma14="http://schemas.microsoft.com/office/mac/drawingml/2011/main" xmlns="" val="1"/>
             </a:ext>
           </a:extLst>
         </p:spPr>
         <p:txBody>
-          <a:bodyPr lIns="71437" tIns="71437" rIns="71437" bIns="71437" anchor="ctr">
+          <a:bodyPr wrap="square" lIns="71437" tIns="71437" rIns="71437" bIns="71437" anchor="ctr">
             <a:spAutoFit/>
           </a:bodyPr>
           <a:lstStyle>
@@ -5293,10 +4943,6 @@
             </a:lvl1pPr>
           </a:lstStyle>
           <a:p>
-            <a:r>
-              <a:rPr dirty="0" err="1" smtClean="0"/>
-              <a:t>Разработчик</a:t>
-            </a:r>
             <a:endParaRPr dirty="0"/>
           </a:p>
         </p:txBody>
@@ -5310,7 +4956,7 @@
           <p:nvPr/>
         </p:nvPicPr>
         <p:blipFill>
-          <a:blip r:embed="rId3">
+          <a:blip r:embed="rId2">
             <a:extLst/>
           </a:blip>
           <a:srcRect l="2632" t="2638" r="2634" b="2634"/>
@@ -5400,7 +5046,7 @@
           </a:ln>
           <a:extLst>
             <a:ext uri="{C572A759-6A51-4108-AA02-DFA0A04FC94B}">
-              <ma14:wrappingTextBoxFlag xmlns="" xmlns:ma14="http://schemas.microsoft.com/office/mac/drawingml/2011/main" val="1"/>
+              <ma14:wrappingTextBoxFlag xmlns:ma14="http://schemas.microsoft.com/office/mac/drawingml/2011/main" xmlns="" val="1"/>
             </a:ext>
           </a:extLst>
         </p:spPr>
@@ -5447,7 +5093,7 @@
           <p:nvPr/>
         </p:nvPicPr>
         <p:blipFill>
-          <a:blip r:embed="rId4">
+          <a:blip r:embed="rId3">
             <a:extLst/>
           </a:blip>
           <a:srcRect r="66349"/>
@@ -5513,7 +5159,7 @@
           </a:ln>
           <a:extLst>
             <a:ext uri="{C572A759-6A51-4108-AA02-DFA0A04FC94B}">
-              <ma14:wrappingTextBoxFlag xmlns="" xmlns:ma14="http://schemas.microsoft.com/office/mac/drawingml/2011/main" val="1"/>
+              <ma14:wrappingTextBoxFlag xmlns:ma14="http://schemas.microsoft.com/office/mac/drawingml/2011/main" xmlns="" val="1"/>
             </a:ext>
           </a:extLst>
         </p:spPr>
@@ -5562,7 +5208,7 @@
           </a:ln>
           <a:extLst>
             <a:ext uri="{C572A759-6A51-4108-AA02-DFA0A04FC94B}">
-              <ma14:wrappingTextBoxFlag xmlns="" xmlns:ma14="http://schemas.microsoft.com/office/mac/drawingml/2011/main" val="1"/>
+              <ma14:wrappingTextBoxFlag xmlns:ma14="http://schemas.microsoft.com/office/mac/drawingml/2011/main" xmlns="" val="1"/>
             </a:ext>
           </a:extLst>
         </p:spPr>
@@ -5688,7 +5334,7 @@
           </a:ln>
           <a:extLst>
             <a:ext uri="{C572A759-6A51-4108-AA02-DFA0A04FC94B}">
-              <ma14:wrappingTextBoxFlag xmlns="" xmlns:ma14="http://schemas.microsoft.com/office/mac/drawingml/2011/main" val="1"/>
+              <ma14:wrappingTextBoxFlag xmlns:ma14="http://schemas.microsoft.com/office/mac/drawingml/2011/main" xmlns="" val="1"/>
             </a:ext>
           </a:extLst>
         </p:spPr>
@@ -5724,8 +5370,8 @@
         </p:nvSpPr>
         <p:spPr>
           <a:xfrm>
-            <a:off x="1112837" y="9328117"/>
-            <a:ext cx="22158326" cy="2914258"/>
+            <a:off x="1112837" y="8866452"/>
+            <a:ext cx="22158326" cy="3837588"/>
           </a:xfrm>
           <a:prstGeom prst="rect">
             <a:avLst/>
@@ -5735,7 +5381,7 @@
           </a:ln>
           <a:extLst>
             <a:ext uri="{C572A759-6A51-4108-AA02-DFA0A04FC94B}">
-              <ma14:wrappingTextBoxFlag xmlns="" xmlns:ma14="http://schemas.microsoft.com/office/mac/drawingml/2011/main" val="1"/>
+              <ma14:wrappingTextBoxFlag xmlns:ma14="http://schemas.microsoft.com/office/mac/drawingml/2011/main" xmlns="" val="1"/>
             </a:ext>
           </a:extLst>
         </p:spPr>
@@ -5759,7 +5405,6 @@
               <a:rPr lang="en-US" dirty="0" smtClean="0"/>
               <a:t>Python</a:t>
             </a:r>
-            <a:endParaRPr dirty="0"/>
           </a:p>
           <a:p>
             <a:pPr marL="1058333" indent="-1058333" algn="l">
@@ -5773,13 +5418,14 @@
               </a:defRPr>
             </a:pPr>
             <a:r>
+              <a:rPr lang="en-US" dirty="0"/>
+              <a:t>p</a:t>
+            </a:r>
+            <a:r>
               <a:rPr lang="en-US" dirty="0" smtClean="0"/>
-              <a:t>Muzis.ru </a:t>
-            </a:r>
-            <a:r>
-              <a:rPr lang="en-US" dirty="0" smtClean="0"/>
-              <a:t>API</a:t>
-            </a:r>
+              <a:t>ython-telegram-bot</a:t>
+            </a:r>
+            <a:endParaRPr dirty="0"/>
           </a:p>
           <a:p>
             <a:pPr marL="1058333" indent="-1058333" algn="l">
@@ -5793,6 +5439,22 @@
               </a:defRPr>
             </a:pPr>
             <a:r>
+              <a:rPr lang="en-US" dirty="0" smtClean="0"/>
+              <a:t>Muzis.ru API</a:t>
+            </a:r>
+          </a:p>
+          <a:p>
+            <a:pPr marL="1058333" indent="-1058333" algn="l">
+              <a:buSzPct val="100000"/>
+              <a:buAutoNum type="arabicPeriod"/>
+              <a:defRPr sz="6000">
+                <a:latin typeface="Gotham Pro"/>
+                <a:ea typeface="Gotham Pro"/>
+                <a:cs typeface="Gotham Pro"/>
+                <a:sym typeface="Gotham Pro"/>
+              </a:defRPr>
+            </a:pPr>
+            <a:r>
               <a:rPr lang="en-US" dirty="0" err="1" smtClean="0"/>
               <a:t>Lastfm</a:t>
             </a:r>
@@ -5823,7 +5485,7 @@
           </a:ln>
           <a:extLst>
             <a:ext uri="{C572A759-6A51-4108-AA02-DFA0A04FC94B}">
-              <ma14:wrappingTextBoxFlag xmlns="" xmlns:ma14="http://schemas.microsoft.com/office/mac/drawingml/2011/main" val="1"/>
+              <ma14:wrappingTextBoxFlag xmlns:ma14="http://schemas.microsoft.com/office/mac/drawingml/2011/main" xmlns="" val="1"/>
             </a:ext>
           </a:extLst>
         </p:spPr>
@@ -5890,7 +5552,7 @@
           </a:effectLst>
           <a:extLst>
             <a:ext uri="{C572A759-6A51-4108-AA02-DFA0A04FC94B}">
-              <ma14:wrappingTextBoxFlag xmlns="" xmlns:ma14="http://schemas.microsoft.com/office/mac/drawingml/2011/main" val="1"/>
+              <ma14:wrappingTextBoxFlag xmlns:ma14="http://schemas.microsoft.com/office/mac/drawingml/2011/main" xmlns="" val="1"/>
             </a:ext>
           </a:extLst>
         </p:spPr>
@@ -6067,7 +5729,7 @@
           </a:ln>
           <a:extLst>
             <a:ext uri="{C572A759-6A51-4108-AA02-DFA0A04FC94B}">
-              <ma14:wrappingTextBoxFlag xmlns="" xmlns:ma14="http://schemas.microsoft.com/office/mac/drawingml/2011/main" val="1"/>
+              <ma14:wrappingTextBoxFlag xmlns:ma14="http://schemas.microsoft.com/office/mac/drawingml/2011/main" xmlns="" val="1"/>
             </a:ext>
           </a:extLst>
         </p:spPr>
@@ -6103,8 +5765,8 @@
         </p:nvSpPr>
         <p:spPr>
           <a:xfrm>
-            <a:off x="1112837" y="5275842"/>
-            <a:ext cx="22158326" cy="4760918"/>
+            <a:off x="1112837" y="6660836"/>
+            <a:ext cx="22158326" cy="1990929"/>
           </a:xfrm>
           <a:prstGeom prst="rect">
             <a:avLst/>
@@ -6114,7 +5776,7 @@
           </a:ln>
           <a:extLst>
             <a:ext uri="{C572A759-6A51-4108-AA02-DFA0A04FC94B}">
-              <ma14:wrappingTextBoxFlag xmlns="" xmlns:ma14="http://schemas.microsoft.com/office/mac/drawingml/2011/main" val="1"/>
+              <ma14:wrappingTextBoxFlag xmlns:ma14="http://schemas.microsoft.com/office/mac/drawingml/2011/main" xmlns="" val="1"/>
             </a:ext>
           </a:extLst>
         </p:spPr>
@@ -6176,54 +5838,6 @@
             </a:r>
             <a:endParaRPr dirty="0"/>
           </a:p>
-          <a:p>
-            <a:pPr marL="1058333" indent="-1058333" algn="l">
-              <a:buSzPct val="100000"/>
-              <a:buAutoNum type="arabicPeriod"/>
-              <a:defRPr sz="6000">
-                <a:latin typeface="Gotham Pro"/>
-                <a:ea typeface="Gotham Pro"/>
-                <a:cs typeface="Gotham Pro"/>
-                <a:sym typeface="Gotham Pro"/>
-              </a:defRPr>
-            </a:pPr>
-            <a:r>
-              <a:rPr dirty="0"/>
-              <a:t>…</a:t>
-            </a:r>
-          </a:p>
-          <a:p>
-            <a:pPr marL="1058333" indent="-1058333" algn="l">
-              <a:buSzPct val="100000"/>
-              <a:buAutoNum type="arabicPeriod"/>
-              <a:defRPr sz="6000">
-                <a:latin typeface="Gotham Pro"/>
-                <a:ea typeface="Gotham Pro"/>
-                <a:cs typeface="Gotham Pro"/>
-                <a:sym typeface="Gotham Pro"/>
-              </a:defRPr>
-            </a:pPr>
-            <a:r>
-              <a:rPr dirty="0"/>
-              <a:t>…</a:t>
-            </a:r>
-          </a:p>
-          <a:p>
-            <a:pPr marL="1058333" indent="-1058333" algn="l">
-              <a:buSzPct val="100000"/>
-              <a:buAutoNum type="arabicPeriod"/>
-              <a:defRPr sz="6000">
-                <a:latin typeface="Gotham Pro"/>
-                <a:ea typeface="Gotham Pro"/>
-                <a:cs typeface="Gotham Pro"/>
-                <a:sym typeface="Gotham Pro"/>
-              </a:defRPr>
-            </a:pPr>
-            <a:r>
-              <a:rPr dirty="0"/>
-              <a:t>…</a:t>
-            </a:r>
-          </a:p>
         </p:txBody>
       </p:sp>
       <p:sp>
@@ -6245,7 +5859,7 @@
           </a:ln>
           <a:extLst>
             <a:ext uri="{C572A759-6A51-4108-AA02-DFA0A04FC94B}">
-              <ma14:wrappingTextBoxFlag xmlns="" xmlns:ma14="http://schemas.microsoft.com/office/mac/drawingml/2011/main" val="1"/>
+              <ma14:wrappingTextBoxFlag xmlns:ma14="http://schemas.microsoft.com/office/mac/drawingml/2011/main" xmlns="" val="1"/>
             </a:ext>
           </a:extLst>
         </p:spPr>
@@ -6438,7 +6052,7 @@
           </a:ln>
           <a:extLst>
             <a:ext uri="{C572A759-6A51-4108-AA02-DFA0A04FC94B}">
-              <ma14:wrappingTextBoxFlag xmlns="" xmlns:ma14="http://schemas.microsoft.com/office/mac/drawingml/2011/main" val="1"/>
+              <ma14:wrappingTextBoxFlag xmlns:ma14="http://schemas.microsoft.com/office/mac/drawingml/2011/main" xmlns="" val="1"/>
             </a:ext>
           </a:extLst>
         </p:spPr>
@@ -6480,8 +6094,8 @@
         </p:nvSpPr>
         <p:spPr>
           <a:xfrm>
-            <a:off x="1112837" y="4814178"/>
-            <a:ext cx="22158326" cy="5684247"/>
+            <a:off x="1112837" y="5737507"/>
+            <a:ext cx="22158326" cy="3837588"/>
           </a:xfrm>
           <a:prstGeom prst="rect">
             <a:avLst/>
@@ -6491,7 +6105,7 @@
           </a:ln>
           <a:extLst>
             <a:ext uri="{C572A759-6A51-4108-AA02-DFA0A04FC94B}">
-              <ma14:wrappingTextBoxFlag xmlns="" xmlns:ma14="http://schemas.microsoft.com/office/mac/drawingml/2011/main" val="1"/>
+              <ma14:wrappingTextBoxFlag xmlns:ma14="http://schemas.microsoft.com/office/mac/drawingml/2011/main" xmlns="" val="1"/>
             </a:ext>
           </a:extLst>
         </p:spPr>
@@ -6594,38 +6208,6 @@
             </a:r>
             <a:endParaRPr dirty="0"/>
           </a:p>
-          <a:p>
-            <a:pPr marL="1058333" indent="-1058333" algn="l">
-              <a:buSzPct val="100000"/>
-              <a:buAutoNum type="arabicPeriod"/>
-              <a:defRPr sz="6000">
-                <a:latin typeface="Gotham Pro"/>
-                <a:ea typeface="Gotham Pro"/>
-                <a:cs typeface="Gotham Pro"/>
-                <a:sym typeface="Gotham Pro"/>
-              </a:defRPr>
-            </a:pPr>
-            <a:r>
-              <a:rPr dirty="0"/>
-              <a:t>…</a:t>
-            </a:r>
-          </a:p>
-          <a:p>
-            <a:pPr marL="1058333" indent="-1058333" algn="l">
-              <a:buSzPct val="100000"/>
-              <a:buAutoNum type="arabicPeriod"/>
-              <a:defRPr sz="6000">
-                <a:latin typeface="Gotham Pro"/>
-                <a:ea typeface="Gotham Pro"/>
-                <a:cs typeface="Gotham Pro"/>
-                <a:sym typeface="Gotham Pro"/>
-              </a:defRPr>
-            </a:pPr>
-            <a:r>
-              <a:rPr dirty="0"/>
-              <a:t>…</a:t>
-            </a:r>
-          </a:p>
         </p:txBody>
       </p:sp>
       <p:sp>
@@ -6647,7 +6229,7 @@
           </a:ln>
           <a:extLst>
             <a:ext uri="{C572A759-6A51-4108-AA02-DFA0A04FC94B}">
-              <ma14:wrappingTextBoxFlag xmlns="" xmlns:ma14="http://schemas.microsoft.com/office/mac/drawingml/2011/main" val="1"/>
+              <ma14:wrappingTextBoxFlag xmlns:ma14="http://schemas.microsoft.com/office/mac/drawingml/2011/main" xmlns="" val="1"/>
             </a:ext>
           </a:extLst>
         </p:spPr>
@@ -6829,8 +6411,8 @@
         </p:nvSpPr>
         <p:spPr>
           <a:xfrm>
-            <a:off x="1112837" y="3668507"/>
-            <a:ext cx="22158326" cy="1057276"/>
+            <a:off x="2286000" y="4648200"/>
+            <a:ext cx="19897298" cy="5314916"/>
           </a:xfrm>
           <a:prstGeom prst="rect">
             <a:avLst/>
@@ -6840,12 +6422,12 @@
           </a:ln>
           <a:extLst>
             <a:ext uri="{C572A759-6A51-4108-AA02-DFA0A04FC94B}">
-              <ma14:wrappingTextBoxFlag xmlns="" xmlns:ma14="http://schemas.microsoft.com/office/mac/drawingml/2011/main" val="1"/>
+              <ma14:wrappingTextBoxFlag xmlns:ma14="http://schemas.microsoft.com/office/mac/drawingml/2011/main" xmlns="" val="1"/>
             </a:ext>
           </a:extLst>
         </p:spPr>
         <p:txBody>
-          <a:bodyPr lIns="71437" tIns="71437" rIns="71437" bIns="71437" anchor="ctr">
+          <a:bodyPr wrap="square" lIns="71437" tIns="71437" rIns="71437" bIns="71437" anchor="ctr">
             <a:spAutoFit/>
           </a:bodyPr>
           <a:lstStyle>
@@ -6863,128 +6445,84 @@
           </a:lstStyle>
           <a:p>
             <a:r>
-              <a:t>Какие актуальные функции / юз-кейсы</a:t>
-            </a:r>
-          </a:p>
-        </p:txBody>
-      </p:sp>
-      <p:sp>
-        <p:nvSpPr>
-          <p:cNvPr id="189" name="Shape 189"/>
-          <p:cNvSpPr/>
-          <p:nvPr/>
-        </p:nvSpPr>
-        <p:spPr>
-          <a:xfrm>
-            <a:off x="1112837" y="4943390"/>
-            <a:ext cx="22158326" cy="4511422"/>
-          </a:xfrm>
-          <a:prstGeom prst="rect">
-            <a:avLst/>
-          </a:prstGeom>
-          <a:ln w="12700">
-            <a:miter lim="400000"/>
-          </a:ln>
-          <a:extLst>
-            <a:ext uri="{C572A759-6A51-4108-AA02-DFA0A04FC94B}">
-              <ma14:wrappingTextBoxFlag xmlns="" xmlns:ma14="http://schemas.microsoft.com/office/mac/drawingml/2011/main" val="1"/>
-            </a:ext>
-          </a:extLst>
-        </p:spPr>
-        <p:txBody>
-          <a:bodyPr lIns="71437" tIns="71437" rIns="71437" bIns="71437" anchor="ctr">
-            <a:spAutoFit/>
-          </a:bodyPr>
-          <a:lstStyle/>
-          <a:p>
-            <a:pPr marL="1058333" indent="-1058333" algn="l">
-              <a:buSzPct val="100000"/>
-              <a:buAutoNum type="arabicPeriod"/>
-              <a:defRPr sz="6000">
-                <a:latin typeface="Gotham Pro"/>
-                <a:ea typeface="Gotham Pro"/>
-                <a:cs typeface="Gotham Pro"/>
-                <a:sym typeface="Gotham Pro"/>
-              </a:defRPr>
-            </a:pPr>
-            <a:r>
-              <a:t>…</a:t>
-            </a:r>
-          </a:p>
-          <a:p>
-            <a:pPr marL="1058333" indent="-1058333" algn="l">
-              <a:buSzPct val="100000"/>
-              <a:buAutoNum type="arabicPeriod"/>
-              <a:defRPr sz="6000">
-                <a:latin typeface="Gotham Pro"/>
-                <a:ea typeface="Gotham Pro"/>
-                <a:cs typeface="Gotham Pro"/>
-                <a:sym typeface="Gotham Pro"/>
-              </a:defRPr>
-            </a:pPr>
-            <a:r>
-              <a:t>…</a:t>
-            </a:r>
-          </a:p>
-          <a:p>
-            <a:pPr marL="1058333" indent="-1058333" algn="l">
-              <a:buSzPct val="100000"/>
-              <a:buAutoNum type="arabicPeriod"/>
-              <a:defRPr sz="6000">
-                <a:latin typeface="Gotham Pro"/>
-                <a:ea typeface="Gotham Pro"/>
-                <a:cs typeface="Gotham Pro"/>
-                <a:sym typeface="Gotham Pro"/>
-              </a:defRPr>
-            </a:pPr>
-            <a:r>
-              <a:t>…</a:t>
-            </a:r>
-          </a:p>
-          <a:p>
-            <a:pPr marL="1058333" indent="-1058333" algn="l">
-              <a:buSzPct val="100000"/>
-              <a:buAutoNum type="arabicPeriod"/>
-              <a:defRPr sz="6000">
-                <a:latin typeface="Gotham Pro"/>
-                <a:ea typeface="Gotham Pro"/>
-                <a:cs typeface="Gotham Pro"/>
-                <a:sym typeface="Gotham Pro"/>
-              </a:defRPr>
-            </a:pPr>
-            <a:r>
-              <a:t>…</a:t>
-            </a:r>
-          </a:p>
-          <a:p>
-            <a:pPr marL="1058333" indent="-1058333" algn="l">
-              <a:buSzPct val="100000"/>
-              <a:buAutoNum type="arabicPeriod"/>
-              <a:defRPr sz="6000">
-                <a:latin typeface="Gotham Pro"/>
-                <a:ea typeface="Gotham Pro"/>
-                <a:cs typeface="Gotham Pro"/>
-                <a:sym typeface="Gotham Pro"/>
-              </a:defRPr>
-            </a:pPr>
-            <a:r>
-              <a:t>…</a:t>
-            </a:r>
-          </a:p>
-          <a:p>
-            <a:pPr marL="1058333" indent="-1058333" algn="l">
-              <a:buSzPct val="100000"/>
-              <a:buAutoNum type="arabicPeriod"/>
-              <a:defRPr sz="6000">
-                <a:latin typeface="Gotham Pro"/>
-                <a:ea typeface="Gotham Pro"/>
-                <a:cs typeface="Gotham Pro"/>
-                <a:sym typeface="Gotham Pro"/>
-              </a:defRPr>
-            </a:pPr>
-            <a:r>
-              <a:t>…</a:t>
-            </a:r>
+              <a:rPr dirty="0" err="1" smtClean="0"/>
+              <a:t>юз-кейс</a:t>
+            </a:r>
+            <a:r>
+              <a:rPr lang="en-US" dirty="0" smtClean="0"/>
+              <a:t>:</a:t>
+            </a:r>
+          </a:p>
+          <a:p>
+            <a:r>
+              <a:rPr lang="en-US" dirty="0" err="1" smtClean="0"/>
+              <a:t>Каждый</a:t>
+            </a:r>
+            <a:r>
+              <a:rPr lang="en-US" dirty="0" smtClean="0"/>
+              <a:t> </a:t>
+            </a:r>
+            <a:r>
+              <a:rPr lang="en-US" dirty="0" err="1" smtClean="0"/>
+              <a:t>раз</a:t>
+            </a:r>
+            <a:r>
+              <a:rPr lang="en-US" dirty="0" smtClean="0"/>
+              <a:t> </a:t>
+            </a:r>
+            <a:r>
+              <a:rPr lang="en-US" dirty="0" err="1" smtClean="0"/>
+              <a:t>когда</a:t>
+            </a:r>
+            <a:r>
+              <a:rPr lang="en-US" dirty="0" smtClean="0"/>
+              <a:t> </a:t>
+            </a:r>
+            <a:r>
+              <a:rPr lang="en-US" dirty="0" err="1" smtClean="0"/>
+              <a:t>несколько</a:t>
+            </a:r>
+            <a:r>
+              <a:rPr lang="en-US" dirty="0" smtClean="0"/>
+              <a:t> </a:t>
+            </a:r>
+            <a:r>
+              <a:rPr lang="ru-RU" dirty="0"/>
+              <a:t>человек собираются в одном помещении и хотят вместе послушать музыку, происходят конфликты разного масштаба, для того что бы этого избежать, нужен </a:t>
+            </a:r>
+            <a:r>
+              <a:rPr lang="ru-RU" dirty="0" err="1"/>
+              <a:t>плейлист</a:t>
+            </a:r>
+            <a:r>
+              <a:rPr lang="ru-RU" dirty="0"/>
+              <a:t> учитывающий интересы всей </a:t>
+            </a:r>
+            <a:r>
+              <a:rPr lang="ru-RU" dirty="0" smtClean="0"/>
+              <a:t>аудитории</a:t>
+            </a:r>
+            <a:r>
+              <a:rPr lang="en-US" dirty="0" smtClean="0"/>
+              <a:t>, </a:t>
+            </a:r>
+            <a:r>
+              <a:rPr lang="ru-RU" dirty="0"/>
+              <a:t>эту проблему </a:t>
+            </a:r>
+            <a:r>
+              <a:rPr lang="ru-RU" dirty="0" smtClean="0"/>
+              <a:t>решает</a:t>
+            </a:r>
+            <a:r>
+              <a:rPr lang="en-US" dirty="0" smtClean="0"/>
+              <a:t> </a:t>
+            </a:r>
+            <a:r>
+              <a:rPr lang="en-US" dirty="0" err="1" smtClean="0"/>
+              <a:t>muzicist</a:t>
+            </a:r>
+            <a:endParaRPr dirty="0"/>
           </a:p>
         </p:txBody>
       </p:sp>
@@ -6996,8 +6534,8 @@
         </p:nvSpPr>
         <p:spPr>
           <a:xfrm>
-            <a:off x="895245" y="877999"/>
-            <a:ext cx="4611244" cy="1222376"/>
+            <a:off x="895245" y="986165"/>
+            <a:ext cx="3980256" cy="1006044"/>
           </a:xfrm>
           <a:prstGeom prst="rect">
             <a:avLst/>
@@ -7007,7 +6545,7 @@
           </a:ln>
           <a:extLst>
             <a:ext uri="{C572A759-6A51-4108-AA02-DFA0A04FC94B}">
-              <ma14:wrappingTextBoxFlag xmlns="" xmlns:ma14="http://schemas.microsoft.com/office/mac/drawingml/2011/main" val="1"/>
+              <ma14:wrappingTextBoxFlag xmlns:ma14="http://schemas.microsoft.com/office/mac/drawingml/2011/main" xmlns="" val="1"/>
             </a:ext>
           </a:extLst>
         </p:spPr>
@@ -7030,59 +6568,18 @@
           </a:lstStyle>
           <a:p>
             <a:r>
-              <a:t>“ПРИВЕТ”</a:t>
-            </a:r>
-          </a:p>
-        </p:txBody>
-      </p:sp>
-      <p:sp>
-        <p:nvSpPr>
-          <p:cNvPr id="191" name="Shape 191"/>
-          <p:cNvSpPr/>
-          <p:nvPr/>
-        </p:nvSpPr>
-        <p:spPr>
-          <a:xfrm>
-            <a:off x="14288194" y="5629051"/>
-            <a:ext cx="8609212" cy="4903193"/>
-          </a:xfrm>
-          <a:prstGeom prst="rect">
-            <a:avLst/>
-          </a:prstGeom>
-          <a:blipFill>
-            <a:blip r:embed="rId2"/>
-          </a:blipFill>
-          <a:ln w="12700">
-            <a:miter lim="400000"/>
-          </a:ln>
-          <a:effectLst>
-            <a:outerShdw blurRad="50800" dist="25400" dir="5400000" rotWithShape="0">
-              <a:srgbClr val="000000">
-                <a:alpha val="50000"/>
-              </a:srgbClr>
-            </a:outerShdw>
-          </a:effectLst>
-          <a:extLst>
-            <a:ext uri="{C572A759-6A51-4108-AA02-DFA0A04FC94B}">
-              <ma14:wrappingTextBoxFlag xmlns="" xmlns:ma14="http://schemas.microsoft.com/office/mac/drawingml/2011/main" val="1"/>
-            </a:ext>
-          </a:extLst>
-        </p:spPr>
-        <p:txBody>
-          <a:bodyPr lIns="71437" tIns="71437" rIns="71437" bIns="71437" anchor="ctr"/>
-          <a:lstStyle>
-            <a:lvl1pPr>
-              <a:defRPr sz="3200">
-                <a:solidFill>
-                  <a:srgbClr val="FFFFFF"/>
-                </a:solidFill>
-              </a:defRPr>
-            </a:lvl1pPr>
-          </a:lstStyle>
-          <a:p>
-            <a:r>
-              <a:t>Лучше картинками / скринами</a:t>
-            </a:r>
+              <a:rPr dirty="0" smtClean="0"/>
+              <a:t>“</a:t>
+            </a:r>
+            <a:r>
+              <a:rPr lang="en-US" dirty="0" err="1" smtClean="0"/>
+              <a:t>muzicist</a:t>
+            </a:r>
+            <a:r>
+              <a:rPr dirty="0" smtClean="0"/>
+              <a:t>”</a:t>
+            </a:r>
+            <a:endParaRPr dirty="0"/>
           </a:p>
         </p:txBody>
       </p:sp>
@@ -7095,7 +6592,7 @@
           <p:nvPr/>
         </p:nvPicPr>
         <p:blipFill>
-          <a:blip r:embed="rId3">
+          <a:blip r:embed="rId2">
             <a:extLst/>
           </a:blip>
           <a:srcRect l="2632" t="2638" r="2634" b="2634"/>
@@ -7175,7 +6672,7 @@
           <p:nvPr/>
         </p:nvPicPr>
         <p:blipFill>
-          <a:blip r:embed="rId4">
+          <a:blip r:embed="rId3">
             <a:extLst/>
           </a:blip>
           <a:srcRect r="66349"/>
@@ -7224,14 +6721,14 @@
       </p:grpSpPr>
       <p:sp>
         <p:nvSpPr>
-          <p:cNvPr id="195" name="Shape 195"/>
+          <p:cNvPr id="201" name="Shape 201"/>
           <p:cNvSpPr/>
           <p:nvPr/>
         </p:nvSpPr>
         <p:spPr>
           <a:xfrm>
-            <a:off x="1112837" y="2940397"/>
-            <a:ext cx="22158326" cy="1057276"/>
+            <a:off x="1112837" y="3080415"/>
+            <a:ext cx="22158326" cy="882933"/>
           </a:xfrm>
           <a:prstGeom prst="rect">
             <a:avLst/>
@@ -7241,7 +6738,7 @@
           </a:ln>
           <a:extLst>
             <a:ext uri="{C572A759-6A51-4108-AA02-DFA0A04FC94B}">
-              <ma14:wrappingTextBoxFlag xmlns="" xmlns:ma14="http://schemas.microsoft.com/office/mac/drawingml/2011/main" val="1"/>
+              <ma14:wrappingTextBoxFlag xmlns:ma14="http://schemas.microsoft.com/office/mac/drawingml/2011/main" xmlns="" val="1"/>
             </a:ext>
           </a:extLst>
         </p:spPr>
@@ -7264,50 +6761,31 @@
           </a:lstStyle>
           <a:p>
             <a:r>
-              <a:t>ПРИНТСКРИНЫ ключевых ЭКРАНОВ</a:t>
-            </a:r>
+              <a:rPr dirty="0" err="1"/>
+              <a:t>Архитектура</a:t>
+            </a:r>
+            <a:r>
+              <a:rPr dirty="0"/>
+              <a:t> </a:t>
+            </a:r>
+            <a:r>
+              <a:rPr dirty="0" err="1" smtClean="0"/>
+              <a:t>проекта</a:t>
+            </a:r>
+            <a:endParaRPr dirty="0"/>
           </a:p>
         </p:txBody>
       </p:sp>
-      <p:pic>
-        <p:nvPicPr>
-          <p:cNvPr id="196" name="pasted-image.png"/>
-          <p:cNvPicPr>
-            <a:picLocks noChangeAspect="1"/>
-          </p:cNvPicPr>
-          <p:nvPr/>
-        </p:nvPicPr>
-        <p:blipFill>
-          <a:blip r:embed="rId2">
-            <a:extLst/>
-          </a:blip>
-          <a:stretch>
-            <a:fillRect/>
-          </a:stretch>
-        </p:blipFill>
-        <p:spPr>
-          <a:xfrm>
-            <a:off x="4198739" y="4079713"/>
-            <a:ext cx="15986502" cy="8984415"/>
-          </a:xfrm>
-          <a:prstGeom prst="rect">
-            <a:avLst/>
-          </a:prstGeom>
-          <a:ln w="12700">
-            <a:miter lim="400000"/>
-          </a:ln>
-        </p:spPr>
-      </p:pic>
       <p:sp>
         <p:nvSpPr>
-          <p:cNvPr id="197" name="Shape 197"/>
+          <p:cNvPr id="202" name="Shape 202"/>
           <p:cNvSpPr/>
           <p:nvPr/>
         </p:nvSpPr>
         <p:spPr>
           <a:xfrm>
-            <a:off x="895245" y="877999"/>
-            <a:ext cx="4611244" cy="1222376"/>
+            <a:off x="895245" y="986165"/>
+            <a:ext cx="3980256" cy="1006044"/>
           </a:xfrm>
           <a:prstGeom prst="rect">
             <a:avLst/>
@@ -7317,7 +6795,7 @@
           </a:ln>
           <a:extLst>
             <a:ext uri="{C572A759-6A51-4108-AA02-DFA0A04FC94B}">
-              <ma14:wrappingTextBoxFlag xmlns="" xmlns:ma14="http://schemas.microsoft.com/office/mac/drawingml/2011/main" val="1"/>
+              <ma14:wrappingTextBoxFlag xmlns:ma14="http://schemas.microsoft.com/office/mac/drawingml/2011/main" xmlns="" val="1"/>
             </a:ext>
           </a:extLst>
         </p:spPr>
@@ -7340,21 +6818,413 @@
           </a:lstStyle>
           <a:p>
             <a:r>
-              <a:t>“ПРИВЕТ”</a:t>
-            </a:r>
+              <a:rPr dirty="0" smtClean="0"/>
+              <a:t>“</a:t>
+            </a:r>
+            <a:r>
+              <a:rPr lang="en-US" dirty="0" err="1" smtClean="0"/>
+              <a:t>muzicist</a:t>
+            </a:r>
+            <a:r>
+              <a:rPr dirty="0" smtClean="0"/>
+              <a:t>”</a:t>
+            </a:r>
+            <a:endParaRPr dirty="0"/>
+          </a:p>
+        </p:txBody>
+      </p:sp>
+      <p:sp>
+        <p:nvSpPr>
+          <p:cNvPr id="203" name="Shape 203"/>
+          <p:cNvSpPr/>
+          <p:nvPr/>
+        </p:nvSpPr>
+        <p:spPr>
+          <a:xfrm>
+            <a:off x="17449800" y="5461000"/>
+            <a:ext cx="2181225" cy="2079625"/>
+          </a:xfrm>
+          <a:prstGeom prst="rect">
+            <a:avLst/>
+          </a:prstGeom>
+          <a:solidFill>
+            <a:schemeClr val="accent3">
+              <a:satOff val="18648"/>
+              <a:lumOff val="5971"/>
+            </a:schemeClr>
+          </a:solidFill>
+          <a:ln w="12700">
+            <a:miter lim="400000"/>
+          </a:ln>
+          <a:extLst>
+            <a:ext uri="{C572A759-6A51-4108-AA02-DFA0A04FC94B}">
+              <ma14:wrappingTextBoxFlag xmlns:ma14="http://schemas.microsoft.com/office/mac/drawingml/2011/main" xmlns="" val="1"/>
+            </a:ext>
+          </a:extLst>
+        </p:spPr>
+        <p:txBody>
+          <a:bodyPr lIns="71437" tIns="71437" rIns="71437" bIns="71437" anchor="ctr"/>
+          <a:lstStyle>
+            <a:lvl1pPr>
+              <a:defRPr>
+                <a:solidFill>
+                  <a:schemeClr val="accent1">
+                    <a:hueOff val="47394"/>
+                    <a:satOff val="-25753"/>
+                    <a:lumOff val="-7544"/>
+                  </a:schemeClr>
+                </a:solidFill>
+                <a:latin typeface="Gotham Pro"/>
+                <a:ea typeface="Gotham Pro"/>
+                <a:cs typeface="Gotham Pro"/>
+                <a:sym typeface="Gotham Pro"/>
+              </a:defRPr>
+            </a:lvl1pPr>
+          </a:lstStyle>
+          <a:p>
+            <a:r>
+              <a:rPr lang="en-US" dirty="0" smtClean="0"/>
+              <a:t>Bot</a:t>
+            </a:r>
+            <a:endParaRPr dirty="0"/>
+          </a:p>
+        </p:txBody>
+      </p:sp>
+      <p:sp>
+        <p:nvSpPr>
+          <p:cNvPr id="204" name="Shape 204"/>
+          <p:cNvSpPr/>
+          <p:nvPr/>
+        </p:nvSpPr>
+        <p:spPr>
+          <a:xfrm>
+            <a:off x="16154400" y="9916305"/>
+            <a:ext cx="3476625" cy="2079626"/>
+          </a:xfrm>
+          <a:prstGeom prst="rect">
+            <a:avLst/>
+          </a:prstGeom>
+          <a:solidFill>
+            <a:schemeClr val="accent3">
+              <a:satOff val="18648"/>
+              <a:lumOff val="5971"/>
+            </a:schemeClr>
+          </a:solidFill>
+          <a:ln w="12700">
+            <a:miter lim="400000"/>
+          </a:ln>
+          <a:extLst>
+            <a:ext uri="{C572A759-6A51-4108-AA02-DFA0A04FC94B}">
+              <ma14:wrappingTextBoxFlag xmlns:ma14="http://schemas.microsoft.com/office/mac/drawingml/2011/main" xmlns="" val="1"/>
+            </a:ext>
+          </a:extLst>
+        </p:spPr>
+        <p:txBody>
+          <a:bodyPr lIns="71437" tIns="71437" rIns="71437" bIns="71437" anchor="ctr"/>
+          <a:lstStyle>
+            <a:lvl1pPr>
+              <a:defRPr>
+                <a:solidFill>
+                  <a:schemeClr val="accent1">
+                    <a:hueOff val="47394"/>
+                    <a:satOff val="-25753"/>
+                    <a:lumOff val="-7544"/>
+                  </a:schemeClr>
+                </a:solidFill>
+                <a:latin typeface="Gotham Pro"/>
+                <a:ea typeface="Gotham Pro"/>
+                <a:cs typeface="Gotham Pro"/>
+                <a:sym typeface="Gotham Pro"/>
+              </a:defRPr>
+            </a:lvl1pPr>
+          </a:lstStyle>
+          <a:p>
+            <a:r>
+              <a:rPr lang="en-US" dirty="0" smtClean="0"/>
+              <a:t>Muzis.ru</a:t>
+            </a:r>
+            <a:endParaRPr dirty="0"/>
+          </a:p>
+        </p:txBody>
+      </p:sp>
+      <p:sp>
+        <p:nvSpPr>
+          <p:cNvPr id="205" name="Shape 205"/>
+          <p:cNvSpPr/>
+          <p:nvPr/>
+        </p:nvSpPr>
+        <p:spPr>
+          <a:xfrm>
+            <a:off x="10180439" y="9916305"/>
+            <a:ext cx="4934347" cy="2079626"/>
+          </a:xfrm>
+          <a:prstGeom prst="rect">
+            <a:avLst/>
+          </a:prstGeom>
+          <a:solidFill>
+            <a:schemeClr val="accent3">
+              <a:satOff val="18648"/>
+              <a:lumOff val="5971"/>
+            </a:schemeClr>
+          </a:solidFill>
+          <a:ln w="12700">
+            <a:miter lim="400000"/>
+          </a:ln>
+          <a:extLst>
+            <a:ext uri="{C572A759-6A51-4108-AA02-DFA0A04FC94B}">
+              <ma14:wrappingTextBoxFlag xmlns:ma14="http://schemas.microsoft.com/office/mac/drawingml/2011/main" xmlns="" val="1"/>
+            </a:ext>
+          </a:extLst>
+        </p:spPr>
+        <p:txBody>
+          <a:bodyPr lIns="71437" tIns="71437" rIns="71437" bIns="71437" anchor="ctr"/>
+          <a:lstStyle>
+            <a:lvl1pPr>
+              <a:defRPr>
+                <a:solidFill>
+                  <a:schemeClr val="accent1">
+                    <a:hueOff val="47394"/>
+                    <a:satOff val="-25753"/>
+                    <a:lumOff val="-7544"/>
+                  </a:schemeClr>
+                </a:solidFill>
+                <a:latin typeface="Gotham Pro"/>
+                <a:ea typeface="Gotham Pro"/>
+                <a:cs typeface="Gotham Pro"/>
+                <a:sym typeface="Gotham Pro"/>
+              </a:defRPr>
+            </a:lvl1pPr>
+          </a:lstStyle>
+          <a:p>
+            <a:r>
+              <a:rPr lang="en-US" dirty="0" smtClean="0"/>
+              <a:t>data</a:t>
+            </a:r>
+            <a:r>
+              <a:rPr dirty="0" smtClean="0"/>
+              <a:t>base</a:t>
+            </a:r>
+            <a:r>
+              <a:rPr lang="en-US" dirty="0" smtClean="0"/>
+              <a:t>s</a:t>
+            </a:r>
+            <a:endParaRPr dirty="0"/>
+          </a:p>
+        </p:txBody>
+      </p:sp>
+      <p:sp>
+        <p:nvSpPr>
+          <p:cNvPr id="207" name="Shape 207"/>
+          <p:cNvSpPr/>
+          <p:nvPr/>
+        </p:nvSpPr>
+        <p:spPr>
+          <a:xfrm>
+            <a:off x="4953000" y="5461000"/>
+            <a:ext cx="3963591" cy="2079625"/>
+          </a:xfrm>
+          <a:prstGeom prst="rect">
+            <a:avLst/>
+          </a:prstGeom>
+          <a:solidFill>
+            <a:schemeClr val="accent3">
+              <a:satOff val="18648"/>
+              <a:lumOff val="5971"/>
+            </a:schemeClr>
+          </a:solidFill>
+          <a:ln w="12700">
+            <a:miter lim="400000"/>
+          </a:ln>
+          <a:extLst>
+            <a:ext uri="{C572A759-6A51-4108-AA02-DFA0A04FC94B}">
+              <ma14:wrappingTextBoxFlag xmlns:ma14="http://schemas.microsoft.com/office/mac/drawingml/2011/main" xmlns="" val="1"/>
+            </a:ext>
+          </a:extLst>
+        </p:spPr>
+        <p:txBody>
+          <a:bodyPr lIns="71437" tIns="71437" rIns="71437" bIns="71437" anchor="ctr"/>
+          <a:lstStyle>
+            <a:lvl1pPr>
+              <a:defRPr>
+                <a:solidFill>
+                  <a:schemeClr val="accent1">
+                    <a:hueOff val="47394"/>
+                    <a:satOff val="-25753"/>
+                    <a:lumOff val="-7544"/>
+                  </a:schemeClr>
+                </a:solidFill>
+                <a:latin typeface="Gotham Pro"/>
+                <a:ea typeface="Gotham Pro"/>
+                <a:cs typeface="Gotham Pro"/>
+                <a:sym typeface="Gotham Pro"/>
+              </a:defRPr>
+            </a:lvl1pPr>
+          </a:lstStyle>
+          <a:p>
+            <a:r>
+              <a:t>Telegram</a:t>
+            </a:r>
+          </a:p>
+        </p:txBody>
+      </p:sp>
+      <p:sp>
+        <p:nvSpPr>
+          <p:cNvPr id="208" name="Shape 208"/>
+          <p:cNvSpPr/>
+          <p:nvPr/>
+        </p:nvSpPr>
+        <p:spPr>
+          <a:xfrm>
+            <a:off x="8813800" y="6500812"/>
+            <a:ext cx="9050397" cy="1"/>
+          </a:xfrm>
+          <a:prstGeom prst="line">
+            <a:avLst/>
+          </a:prstGeom>
+          <a:ln w="63500">
+            <a:solidFill>
+              <a:schemeClr val="accent1">
+                <a:hueOff val="47394"/>
+                <a:satOff val="-25753"/>
+                <a:lumOff val="-7544"/>
+              </a:schemeClr>
+            </a:solidFill>
+            <a:miter lim="400000"/>
+            <a:tailEnd type="triangle"/>
+          </a:ln>
+        </p:spPr>
+        <p:txBody>
+          <a:bodyPr lIns="71437" tIns="71437" rIns="71437" bIns="71437" anchor="ctr"/>
+          <a:lstStyle/>
+          <a:p>
+            <a:pPr>
+              <a:defRPr sz="3200"/>
+            </a:pPr>
+            <a:endParaRPr/>
+          </a:p>
+        </p:txBody>
+      </p:sp>
+      <p:sp>
+        <p:nvSpPr>
+          <p:cNvPr id="210" name="Shape 210"/>
+          <p:cNvSpPr/>
+          <p:nvPr/>
+        </p:nvSpPr>
+        <p:spPr>
+          <a:xfrm>
+            <a:off x="18540732" y="7011300"/>
+            <a:ext cx="1" cy="3230516"/>
+          </a:xfrm>
+          <a:prstGeom prst="line">
+            <a:avLst/>
+          </a:prstGeom>
+          <a:ln w="63500">
+            <a:solidFill>
+              <a:schemeClr val="accent1">
+                <a:hueOff val="47394"/>
+                <a:satOff val="-25753"/>
+                <a:lumOff val="-7544"/>
+              </a:schemeClr>
+            </a:solidFill>
+            <a:miter lim="400000"/>
+            <a:tailEnd type="triangle"/>
+          </a:ln>
+        </p:spPr>
+        <p:txBody>
+          <a:bodyPr lIns="71437" tIns="71437" rIns="71437" bIns="71437" anchor="ctr"/>
+          <a:lstStyle/>
+          <a:p>
+            <a:pPr>
+              <a:defRPr sz="3200"/>
+            </a:pPr>
+            <a:endParaRPr/>
+          </a:p>
+        </p:txBody>
+      </p:sp>
+      <p:sp>
+        <p:nvSpPr>
+          <p:cNvPr id="212" name="Shape 212"/>
+          <p:cNvSpPr/>
+          <p:nvPr/>
+        </p:nvSpPr>
+        <p:spPr>
+          <a:xfrm flipV="1">
+            <a:off x="13126539" y="7107892"/>
+            <a:ext cx="4824008" cy="3397094"/>
+          </a:xfrm>
+          <a:prstGeom prst="line">
+            <a:avLst/>
+          </a:prstGeom>
+          <a:ln w="63500">
+            <a:solidFill>
+              <a:schemeClr val="accent1">
+                <a:hueOff val="47394"/>
+                <a:satOff val="-25753"/>
+                <a:lumOff val="-7544"/>
+              </a:schemeClr>
+            </a:solidFill>
+            <a:miter lim="400000"/>
+            <a:tailEnd type="triangle"/>
+          </a:ln>
+        </p:spPr>
+        <p:txBody>
+          <a:bodyPr lIns="71437" tIns="71437" rIns="71437" bIns="71437" anchor="ctr"/>
+          <a:lstStyle/>
+          <a:p>
+            <a:pPr>
+              <a:defRPr sz="3200"/>
+            </a:pPr>
+            <a:endParaRPr/>
+          </a:p>
+        </p:txBody>
+      </p:sp>
+      <p:sp>
+        <p:nvSpPr>
+          <p:cNvPr id="218" name="Shape 218"/>
+          <p:cNvSpPr/>
+          <p:nvPr/>
+        </p:nvSpPr>
+        <p:spPr>
+          <a:xfrm>
+            <a:off x="8813800" y="6063979"/>
+            <a:ext cx="9050397" cy="1"/>
+          </a:xfrm>
+          <a:prstGeom prst="line">
+            <a:avLst/>
+          </a:prstGeom>
+          <a:ln w="63500">
+            <a:solidFill>
+              <a:schemeClr val="accent1">
+                <a:hueOff val="47394"/>
+                <a:satOff val="-25753"/>
+                <a:lumOff val="-7544"/>
+              </a:schemeClr>
+            </a:solidFill>
+            <a:miter lim="400000"/>
+            <a:headEnd type="triangle"/>
+          </a:ln>
+        </p:spPr>
+        <p:txBody>
+          <a:bodyPr lIns="71437" tIns="71437" rIns="71437" bIns="71437" anchor="ctr"/>
+          <a:lstStyle/>
+          <a:p>
+            <a:pPr>
+              <a:defRPr sz="3200"/>
+            </a:pPr>
+            <a:endParaRPr/>
           </a:p>
         </p:txBody>
       </p:sp>
       <p:pic>
         <p:nvPicPr>
-          <p:cNvPr id="198" name="! Chat bots meetups - logo2 - round - prozrach.png"/>
+          <p:cNvPr id="220" name="! Chat bots meetups - logo2 - round - prozrach.png"/>
           <p:cNvPicPr>
             <a:picLocks noChangeAspect="1"/>
           </p:cNvPicPr>
           <p:nvPr/>
         </p:nvPicPr>
         <p:blipFill>
-          <a:blip r:embed="rId3">
+          <a:blip r:embed="rId2">
             <a:extLst/>
           </a:blip>
           <a:srcRect l="2632" t="2638" r="2634" b="2634"/>
@@ -7427,14 +7297,14 @@
       </p:pic>
       <p:pic>
         <p:nvPicPr>
-          <p:cNvPr id="199" name="logo.png"/>
+          <p:cNvPr id="221" name="logo.png"/>
           <p:cNvPicPr>
             <a:picLocks noChangeAspect="1"/>
           </p:cNvPicPr>
           <p:nvPr/>
         </p:nvPicPr>
         <p:blipFill>
-          <a:blip r:embed="rId4">
+          <a:blip r:embed="rId3">
             <a:extLst/>
           </a:blip>
           <a:srcRect r="66349"/>
@@ -7455,6 +7325,211 @@
           </a:ln>
         </p:spPr>
       </p:pic>
+      <p:sp>
+        <p:nvSpPr>
+          <p:cNvPr id="23" name="Shape 218"/>
+          <p:cNvSpPr/>
+          <p:nvPr/>
+        </p:nvSpPr>
+        <p:spPr>
+          <a:xfrm flipV="1">
+            <a:off x="13126539" y="6858000"/>
+            <a:ext cx="4628061" cy="3383816"/>
+          </a:xfrm>
+          <a:prstGeom prst="line">
+            <a:avLst/>
+          </a:prstGeom>
+          <a:ln w="63500">
+            <a:solidFill>
+              <a:schemeClr val="accent1">
+                <a:hueOff val="47394"/>
+                <a:satOff val="-25753"/>
+                <a:lumOff val="-7544"/>
+              </a:schemeClr>
+            </a:solidFill>
+            <a:miter lim="400000"/>
+            <a:headEnd type="triangle"/>
+          </a:ln>
+        </p:spPr>
+        <p:txBody>
+          <a:bodyPr lIns="71437" tIns="71437" rIns="71437" bIns="71437" anchor="ctr"/>
+          <a:lstStyle/>
+          <a:p>
+            <a:pPr>
+              <a:defRPr sz="3200"/>
+            </a:pPr>
+            <a:endParaRPr/>
+          </a:p>
+        </p:txBody>
+      </p:sp>
+      <p:sp>
+        <p:nvSpPr>
+          <p:cNvPr id="25" name="Shape 210"/>
+          <p:cNvSpPr/>
+          <p:nvPr/>
+        </p:nvSpPr>
+        <p:spPr>
+          <a:xfrm flipH="1" flipV="1">
+            <a:off x="18822345" y="7107892"/>
+            <a:ext cx="129212" cy="3133924"/>
+          </a:xfrm>
+          <a:prstGeom prst="line">
+            <a:avLst/>
+          </a:prstGeom>
+          <a:ln w="63500">
+            <a:solidFill>
+              <a:schemeClr val="accent1">
+                <a:hueOff val="47394"/>
+                <a:satOff val="-25753"/>
+                <a:lumOff val="-7544"/>
+              </a:schemeClr>
+            </a:solidFill>
+            <a:miter lim="400000"/>
+            <a:tailEnd type="triangle"/>
+          </a:ln>
+        </p:spPr>
+        <p:txBody>
+          <a:bodyPr lIns="71437" tIns="71437" rIns="71437" bIns="71437" anchor="ctr"/>
+          <a:lstStyle/>
+          <a:p>
+            <a:pPr>
+              <a:defRPr sz="3200"/>
+            </a:pPr>
+            <a:endParaRPr/>
+          </a:p>
+        </p:txBody>
+      </p:sp>
+      <p:sp>
+        <p:nvSpPr>
+          <p:cNvPr id="26" name="Shape 204"/>
+          <p:cNvSpPr/>
+          <p:nvPr/>
+        </p:nvSpPr>
+        <p:spPr>
+          <a:xfrm>
+            <a:off x="20362448" y="7766626"/>
+            <a:ext cx="3476625" cy="2079626"/>
+          </a:xfrm>
+          <a:prstGeom prst="rect">
+            <a:avLst/>
+          </a:prstGeom>
+          <a:solidFill>
+            <a:schemeClr val="accent3">
+              <a:satOff val="18648"/>
+              <a:lumOff val="5971"/>
+            </a:schemeClr>
+          </a:solidFill>
+          <a:ln w="12700">
+            <a:miter lim="400000"/>
+          </a:ln>
+          <a:extLst>
+            <a:ext uri="{C572A759-6A51-4108-AA02-DFA0A04FC94B}">
+              <ma14:wrappingTextBoxFlag xmlns:ma14="http://schemas.microsoft.com/office/mac/drawingml/2011/main" xmlns="" val="1"/>
+            </a:ext>
+          </a:extLst>
+        </p:spPr>
+        <p:txBody>
+          <a:bodyPr lIns="71437" tIns="71437" rIns="71437" bIns="71437" anchor="ctr"/>
+          <a:lstStyle>
+            <a:lvl1pPr>
+              <a:defRPr>
+                <a:solidFill>
+                  <a:schemeClr val="accent1">
+                    <a:hueOff val="47394"/>
+                    <a:satOff val="-25753"/>
+                    <a:lumOff val="-7544"/>
+                  </a:schemeClr>
+                </a:solidFill>
+                <a:latin typeface="Gotham Pro"/>
+                <a:ea typeface="Gotham Pro"/>
+                <a:cs typeface="Gotham Pro"/>
+                <a:sym typeface="Gotham Pro"/>
+              </a:defRPr>
+            </a:lvl1pPr>
+          </a:lstStyle>
+          <a:p>
+            <a:r>
+              <a:rPr lang="en-US" dirty="0" smtClean="0"/>
+              <a:t>Muzis.ru</a:t>
+            </a:r>
+            <a:endParaRPr dirty="0"/>
+          </a:p>
+        </p:txBody>
+      </p:sp>
+      <p:sp>
+        <p:nvSpPr>
+          <p:cNvPr id="27" name="Shape 210"/>
+          <p:cNvSpPr/>
+          <p:nvPr/>
+        </p:nvSpPr>
+        <p:spPr>
+          <a:xfrm flipH="1" flipV="1">
+            <a:off x="19501812" y="6063979"/>
+            <a:ext cx="3053387" cy="1913630"/>
+          </a:xfrm>
+          <a:prstGeom prst="line">
+            <a:avLst/>
+          </a:prstGeom>
+          <a:ln w="63500">
+            <a:solidFill>
+              <a:schemeClr val="accent1">
+                <a:hueOff val="47394"/>
+                <a:satOff val="-25753"/>
+                <a:lumOff val="-7544"/>
+              </a:schemeClr>
+            </a:solidFill>
+            <a:miter lim="400000"/>
+            <a:tailEnd type="triangle"/>
+          </a:ln>
+        </p:spPr>
+        <p:txBody>
+          <a:bodyPr lIns="71437" tIns="71437" rIns="71437" bIns="71437" anchor="ctr"/>
+          <a:lstStyle/>
+          <a:p>
+            <a:pPr>
+              <a:defRPr sz="3200"/>
+            </a:pPr>
+            <a:endParaRPr/>
+          </a:p>
+        </p:txBody>
+      </p:sp>
+      <p:sp>
+        <p:nvSpPr>
+          <p:cNvPr id="28" name="Shape 210"/>
+          <p:cNvSpPr/>
+          <p:nvPr/>
+        </p:nvSpPr>
+        <p:spPr>
+          <a:xfrm>
+            <a:off x="19500544" y="6824133"/>
+            <a:ext cx="2064056" cy="1329267"/>
+          </a:xfrm>
+          <a:prstGeom prst="line">
+            <a:avLst/>
+          </a:prstGeom>
+          <a:ln w="63500">
+            <a:solidFill>
+              <a:schemeClr val="accent1">
+                <a:hueOff val="47394"/>
+                <a:satOff val="-25753"/>
+                <a:lumOff val="-7544"/>
+              </a:schemeClr>
+            </a:solidFill>
+            <a:miter lim="400000"/>
+            <a:tailEnd type="triangle"/>
+          </a:ln>
+        </p:spPr>
+        <p:txBody>
+          <a:bodyPr lIns="71437" tIns="71437" rIns="71437" bIns="71437" anchor="ctr"/>
+          <a:lstStyle/>
+          <a:p>
+            <a:pPr>
+              <a:defRPr sz="3200"/>
+            </a:pPr>
+            <a:endParaRPr/>
+          </a:p>
+        </p:txBody>
+      </p:sp>
     </p:spTree>
   </p:cSld>
   <p:clrMapOvr>
@@ -7483,13 +7558,13 @@
       </p:grpSpPr>
       <p:sp>
         <p:nvSpPr>
-          <p:cNvPr id="201" name="Shape 201"/>
+          <p:cNvPr id="223" name="Shape 223"/>
           <p:cNvSpPr/>
           <p:nvPr/>
         </p:nvSpPr>
         <p:spPr>
           <a:xfrm>
-            <a:off x="1112837" y="2993244"/>
+            <a:off x="1112837" y="3668507"/>
             <a:ext cx="22158326" cy="1057276"/>
           </a:xfrm>
           <a:prstGeom prst="rect">
@@ -7500,7 +7575,7 @@
           </a:ln>
           <a:extLst>
             <a:ext uri="{C572A759-6A51-4108-AA02-DFA0A04FC94B}">
-              <ma14:wrappingTextBoxFlag xmlns="" xmlns:ma14="http://schemas.microsoft.com/office/mac/drawingml/2011/main" val="1"/>
+              <ma14:wrappingTextBoxFlag xmlns:ma14="http://schemas.microsoft.com/office/mac/drawingml/2011/main" xmlns="" val="1"/>
             </a:ext>
           </a:extLst>
         </p:spPr>
@@ -7523,14 +7598,14 @@
           </a:lstStyle>
           <a:p>
             <a:r>
-              <a:t>Архитектура проекта (локанично)</a:t>
+              <a:t>Почему решили делать именно этого бота?</a:t>
             </a:r>
           </a:p>
         </p:txBody>
       </p:sp>
       <p:sp>
         <p:nvSpPr>
-          <p:cNvPr id="202" name="Shape 202"/>
+          <p:cNvPr id="225" name="Shape 225"/>
           <p:cNvSpPr/>
           <p:nvPr/>
         </p:nvSpPr>
@@ -7547,7 +7622,7 @@
           </a:ln>
           <a:extLst>
             <a:ext uri="{C572A759-6A51-4108-AA02-DFA0A04FC94B}">
-              <ma14:wrappingTextBoxFlag xmlns="" xmlns:ma14="http://schemas.microsoft.com/office/mac/drawingml/2011/main" val="1"/>
+              <ma14:wrappingTextBoxFlag xmlns:ma14="http://schemas.microsoft.com/office/mac/drawingml/2011/main" xmlns="" val="1"/>
             </a:ext>
           </a:extLst>
         </p:spPr>
@@ -7575,817 +7650,16 @@
           </a:p>
         </p:txBody>
       </p:sp>
-      <p:sp>
-        <p:nvSpPr>
-          <p:cNvPr id="203" name="Shape 203"/>
-          <p:cNvSpPr/>
-          <p:nvPr/>
-        </p:nvSpPr>
-        <p:spPr>
-          <a:xfrm>
-            <a:off x="17449800" y="5461000"/>
-            <a:ext cx="2181225" cy="2079625"/>
-          </a:xfrm>
-          <a:prstGeom prst="rect">
-            <a:avLst/>
-          </a:prstGeom>
-          <a:solidFill>
-            <a:schemeClr val="accent3">
-              <a:satOff val="18648"/>
-              <a:lumOff val="5971"/>
-            </a:schemeClr>
-          </a:solidFill>
-          <a:ln w="12700">
-            <a:miter lim="400000"/>
-          </a:ln>
-          <a:extLst>
-            <a:ext uri="{C572A759-6A51-4108-AA02-DFA0A04FC94B}">
-              <ma14:wrappingTextBoxFlag xmlns="" xmlns:ma14="http://schemas.microsoft.com/office/mac/drawingml/2011/main" val="1"/>
-            </a:ext>
-          </a:extLst>
-        </p:spPr>
-        <p:txBody>
-          <a:bodyPr lIns="71437" tIns="71437" rIns="71437" bIns="71437" anchor="ctr"/>
-          <a:lstStyle>
-            <a:lvl1pPr>
-              <a:defRPr>
-                <a:solidFill>
-                  <a:schemeClr val="accent1">
-                    <a:hueOff val="47394"/>
-                    <a:satOff val="-25753"/>
-                    <a:lumOff val="-7544"/>
-                  </a:schemeClr>
-                </a:solidFill>
-                <a:latin typeface="Gotham Pro"/>
-                <a:ea typeface="Gotham Pro"/>
-                <a:cs typeface="Gotham Pro"/>
-                <a:sym typeface="Gotham Pro"/>
-              </a:defRPr>
-            </a:lvl1pPr>
-          </a:lstStyle>
-          <a:p>
-            <a:r>
-              <a:t>БД</a:t>
-            </a:r>
-          </a:p>
-        </p:txBody>
-      </p:sp>
-      <p:sp>
-        <p:nvSpPr>
-          <p:cNvPr id="204" name="Shape 204"/>
-          <p:cNvSpPr/>
-          <p:nvPr/>
-        </p:nvSpPr>
-        <p:spPr>
-          <a:xfrm>
-            <a:off x="17449800" y="9916305"/>
-            <a:ext cx="2181225" cy="2079626"/>
-          </a:xfrm>
-          <a:prstGeom prst="rect">
-            <a:avLst/>
-          </a:prstGeom>
-          <a:solidFill>
-            <a:schemeClr val="accent3">
-              <a:satOff val="18648"/>
-              <a:lumOff val="5971"/>
-            </a:schemeClr>
-          </a:solidFill>
-          <a:ln w="12700">
-            <a:miter lim="400000"/>
-          </a:ln>
-          <a:extLst>
-            <a:ext uri="{C572A759-6A51-4108-AA02-DFA0A04FC94B}">
-              <ma14:wrappingTextBoxFlag xmlns="" xmlns:ma14="http://schemas.microsoft.com/office/mac/drawingml/2011/main" val="1"/>
-            </a:ext>
-          </a:extLst>
-        </p:spPr>
-        <p:txBody>
-          <a:bodyPr lIns="71437" tIns="71437" rIns="71437" bIns="71437" anchor="ctr"/>
-          <a:lstStyle>
-            <a:lvl1pPr>
-              <a:defRPr>
-                <a:solidFill>
-                  <a:schemeClr val="accent1">
-                    <a:hueOff val="47394"/>
-                    <a:satOff val="-25753"/>
-                    <a:lumOff val="-7544"/>
-                  </a:schemeClr>
-                </a:solidFill>
-                <a:latin typeface="Gotham Pro"/>
-                <a:ea typeface="Gotham Pro"/>
-                <a:cs typeface="Gotham Pro"/>
-                <a:sym typeface="Gotham Pro"/>
-              </a:defRPr>
-            </a:lvl1pPr>
-          </a:lstStyle>
-          <a:p>
-            <a:r>
-              <a:t>api.ai</a:t>
-            </a:r>
-          </a:p>
-        </p:txBody>
-      </p:sp>
-      <p:sp>
-        <p:nvSpPr>
-          <p:cNvPr id="205" name="Shape 205"/>
-          <p:cNvSpPr/>
-          <p:nvPr/>
-        </p:nvSpPr>
-        <p:spPr>
-          <a:xfrm>
-            <a:off x="10180439" y="9916305"/>
-            <a:ext cx="4934347" cy="2079626"/>
-          </a:xfrm>
-          <a:prstGeom prst="rect">
-            <a:avLst/>
-          </a:prstGeom>
-          <a:solidFill>
-            <a:schemeClr val="accent3">
-              <a:satOff val="18648"/>
-              <a:lumOff val="5971"/>
-            </a:schemeClr>
-          </a:solidFill>
-          <a:ln w="12700">
-            <a:miter lim="400000"/>
-          </a:ln>
-          <a:extLst>
-            <a:ext uri="{C572A759-6A51-4108-AA02-DFA0A04FC94B}">
-              <ma14:wrappingTextBoxFlag xmlns="" xmlns:ma14="http://schemas.microsoft.com/office/mac/drawingml/2011/main" val="1"/>
-            </a:ext>
-          </a:extLst>
-        </p:spPr>
-        <p:txBody>
-          <a:bodyPr lIns="71437" tIns="71437" rIns="71437" bIns="71437" anchor="ctr"/>
-          <a:lstStyle>
-            <a:lvl1pPr>
-              <a:defRPr>
-                <a:solidFill>
-                  <a:schemeClr val="accent1">
-                    <a:hueOff val="47394"/>
-                    <a:satOff val="-25753"/>
-                    <a:lumOff val="-7544"/>
-                  </a:schemeClr>
-                </a:solidFill>
-                <a:latin typeface="Gotham Pro"/>
-                <a:ea typeface="Gotham Pro"/>
-                <a:cs typeface="Gotham Pro"/>
-                <a:sym typeface="Gotham Pro"/>
-              </a:defRPr>
-            </a:lvl1pPr>
-          </a:lstStyle>
-          <a:p>
-            <a:r>
-              <a:t>Knowledge base</a:t>
-            </a:r>
-          </a:p>
-        </p:txBody>
-      </p:sp>
-      <p:sp>
-        <p:nvSpPr>
-          <p:cNvPr id="206" name="Shape 206"/>
-          <p:cNvSpPr/>
-          <p:nvPr/>
-        </p:nvSpPr>
-        <p:spPr>
-          <a:xfrm>
-            <a:off x="4902200" y="9916305"/>
-            <a:ext cx="3963591" cy="2079626"/>
-          </a:xfrm>
-          <a:prstGeom prst="rect">
-            <a:avLst/>
-          </a:prstGeom>
-          <a:solidFill>
-            <a:schemeClr val="accent3">
-              <a:satOff val="18648"/>
-              <a:lumOff val="5971"/>
-            </a:schemeClr>
-          </a:solidFill>
-          <a:ln w="12700">
-            <a:miter lim="400000"/>
-          </a:ln>
-          <a:extLst>
-            <a:ext uri="{C572A759-6A51-4108-AA02-DFA0A04FC94B}">
-              <ma14:wrappingTextBoxFlag xmlns="" xmlns:ma14="http://schemas.microsoft.com/office/mac/drawingml/2011/main" val="1"/>
-            </a:ext>
-          </a:extLst>
-        </p:spPr>
-        <p:txBody>
-          <a:bodyPr lIns="71437" tIns="71437" rIns="71437" bIns="71437" anchor="ctr"/>
-          <a:lstStyle>
-            <a:lvl1pPr>
-              <a:defRPr>
-                <a:solidFill>
-                  <a:schemeClr val="accent1">
-                    <a:hueOff val="47394"/>
-                    <a:satOff val="-25753"/>
-                    <a:lumOff val="-7544"/>
-                  </a:schemeClr>
-                </a:solidFill>
-                <a:latin typeface="Gotham Pro"/>
-                <a:ea typeface="Gotham Pro"/>
-                <a:cs typeface="Gotham Pro"/>
-                <a:sym typeface="Gotham Pro"/>
-              </a:defRPr>
-            </a:lvl1pPr>
-          </a:lstStyle>
-          <a:p>
-            <a:r>
-              <a:t>Свой NLP движок</a:t>
-            </a:r>
-          </a:p>
-        </p:txBody>
-      </p:sp>
-      <p:sp>
-        <p:nvSpPr>
-          <p:cNvPr id="207" name="Shape 207"/>
-          <p:cNvSpPr/>
-          <p:nvPr/>
-        </p:nvSpPr>
-        <p:spPr>
-          <a:xfrm>
-            <a:off x="4953000" y="5461000"/>
-            <a:ext cx="3963591" cy="2079625"/>
-          </a:xfrm>
-          <a:prstGeom prst="rect">
-            <a:avLst/>
-          </a:prstGeom>
-          <a:solidFill>
-            <a:schemeClr val="accent3">
-              <a:satOff val="18648"/>
-              <a:lumOff val="5971"/>
-            </a:schemeClr>
-          </a:solidFill>
-          <a:ln w="12700">
-            <a:miter lim="400000"/>
-          </a:ln>
-          <a:extLst>
-            <a:ext uri="{C572A759-6A51-4108-AA02-DFA0A04FC94B}">
-              <ma14:wrappingTextBoxFlag xmlns="" xmlns:ma14="http://schemas.microsoft.com/office/mac/drawingml/2011/main" val="1"/>
-            </a:ext>
-          </a:extLst>
-        </p:spPr>
-        <p:txBody>
-          <a:bodyPr lIns="71437" tIns="71437" rIns="71437" bIns="71437" anchor="ctr"/>
-          <a:lstStyle>
-            <a:lvl1pPr>
-              <a:defRPr>
-                <a:solidFill>
-                  <a:schemeClr val="accent1">
-                    <a:hueOff val="47394"/>
-                    <a:satOff val="-25753"/>
-                    <a:lumOff val="-7544"/>
-                  </a:schemeClr>
-                </a:solidFill>
-                <a:latin typeface="Gotham Pro"/>
-                <a:ea typeface="Gotham Pro"/>
-                <a:cs typeface="Gotham Pro"/>
-                <a:sym typeface="Gotham Pro"/>
-              </a:defRPr>
-            </a:lvl1pPr>
-          </a:lstStyle>
-          <a:p>
-            <a:r>
-              <a:t>Telegram</a:t>
-            </a:r>
-          </a:p>
-        </p:txBody>
-      </p:sp>
-      <p:sp>
-        <p:nvSpPr>
-          <p:cNvPr id="208" name="Shape 208"/>
-          <p:cNvSpPr/>
-          <p:nvPr/>
-        </p:nvSpPr>
-        <p:spPr>
-          <a:xfrm>
-            <a:off x="8813800" y="6500812"/>
-            <a:ext cx="9050397" cy="1"/>
-          </a:xfrm>
-          <a:prstGeom prst="line">
-            <a:avLst/>
-          </a:prstGeom>
-          <a:ln w="63500">
-            <a:solidFill>
-              <a:schemeClr val="accent1">
-                <a:hueOff val="47394"/>
-                <a:satOff val="-25753"/>
-                <a:lumOff val="-7544"/>
-              </a:schemeClr>
-            </a:solidFill>
-            <a:miter lim="400000"/>
-            <a:tailEnd type="triangle"/>
-          </a:ln>
-        </p:spPr>
-        <p:txBody>
-          <a:bodyPr lIns="71437" tIns="71437" rIns="71437" bIns="71437" anchor="ctr"/>
-          <a:lstStyle/>
-          <a:p>
-            <a:pPr>
-              <a:defRPr sz="3200"/>
-            </a:pPr>
-            <a:endParaRPr/>
-          </a:p>
-        </p:txBody>
-      </p:sp>
-      <p:sp>
-        <p:nvSpPr>
-          <p:cNvPr id="209" name="Shape 209"/>
-          <p:cNvSpPr/>
-          <p:nvPr/>
-        </p:nvSpPr>
-        <p:spPr>
-          <a:xfrm flipH="1">
-            <a:off x="5714999" y="7161212"/>
-            <a:ext cx="1" cy="2930692"/>
-          </a:xfrm>
-          <a:prstGeom prst="line">
-            <a:avLst/>
-          </a:prstGeom>
-          <a:ln w="63500">
-            <a:solidFill>
-              <a:schemeClr val="accent1">
-                <a:hueOff val="47394"/>
-                <a:satOff val="-25753"/>
-                <a:lumOff val="-7544"/>
-              </a:schemeClr>
-            </a:solidFill>
-            <a:miter lim="400000"/>
-            <a:tailEnd type="triangle"/>
-          </a:ln>
-        </p:spPr>
-        <p:txBody>
-          <a:bodyPr lIns="71437" tIns="71437" rIns="71437" bIns="71437" anchor="ctr"/>
-          <a:lstStyle/>
-          <a:p>
-            <a:pPr>
-              <a:defRPr sz="3200"/>
-            </a:pPr>
-            <a:endParaRPr/>
-          </a:p>
-        </p:txBody>
-      </p:sp>
-      <p:sp>
-        <p:nvSpPr>
-          <p:cNvPr id="210" name="Shape 210"/>
-          <p:cNvSpPr/>
-          <p:nvPr/>
-        </p:nvSpPr>
-        <p:spPr>
-          <a:xfrm>
-            <a:off x="18540732" y="7011300"/>
-            <a:ext cx="1" cy="3230516"/>
-          </a:xfrm>
-          <a:prstGeom prst="line">
-            <a:avLst/>
-          </a:prstGeom>
-          <a:ln w="63500">
-            <a:solidFill>
-              <a:schemeClr val="accent1">
-                <a:hueOff val="47394"/>
-                <a:satOff val="-25753"/>
-                <a:lumOff val="-7544"/>
-              </a:schemeClr>
-            </a:solidFill>
-            <a:miter lim="400000"/>
-            <a:tailEnd type="triangle"/>
-          </a:ln>
-        </p:spPr>
-        <p:txBody>
-          <a:bodyPr lIns="71437" tIns="71437" rIns="71437" bIns="71437" anchor="ctr"/>
-          <a:lstStyle/>
-          <a:p>
-            <a:pPr>
-              <a:defRPr sz="3200"/>
-            </a:pPr>
-            <a:endParaRPr/>
-          </a:p>
-        </p:txBody>
-      </p:sp>
-      <p:sp>
-        <p:nvSpPr>
-          <p:cNvPr id="211" name="Shape 211"/>
-          <p:cNvSpPr/>
-          <p:nvPr/>
-        </p:nvSpPr>
-        <p:spPr>
-          <a:xfrm>
-            <a:off x="8705470" y="6831510"/>
-            <a:ext cx="3942143" cy="3613507"/>
-          </a:xfrm>
-          <a:prstGeom prst="line">
-            <a:avLst/>
-          </a:prstGeom>
-          <a:ln w="63500">
-            <a:solidFill>
-              <a:schemeClr val="accent1">
-                <a:hueOff val="47394"/>
-                <a:satOff val="-25753"/>
-                <a:lumOff val="-7544"/>
-              </a:schemeClr>
-            </a:solidFill>
-            <a:miter lim="400000"/>
-            <a:tailEnd type="triangle"/>
-          </a:ln>
-        </p:spPr>
-        <p:txBody>
-          <a:bodyPr lIns="71437" tIns="71437" rIns="71437" bIns="71437" anchor="ctr"/>
-          <a:lstStyle/>
-          <a:p>
-            <a:pPr>
-              <a:defRPr sz="3200"/>
-            </a:pPr>
-            <a:endParaRPr/>
-          </a:p>
-        </p:txBody>
-      </p:sp>
-      <p:sp>
-        <p:nvSpPr>
-          <p:cNvPr id="212" name="Shape 212"/>
-          <p:cNvSpPr/>
-          <p:nvPr/>
-        </p:nvSpPr>
-        <p:spPr>
-          <a:xfrm flipV="1">
-            <a:off x="13126539" y="7107892"/>
-            <a:ext cx="4824008" cy="3397094"/>
-          </a:xfrm>
-          <a:prstGeom prst="line">
-            <a:avLst/>
-          </a:prstGeom>
-          <a:ln w="63500">
-            <a:solidFill>
-              <a:schemeClr val="accent1">
-                <a:hueOff val="47394"/>
-                <a:satOff val="-25753"/>
-                <a:lumOff val="-7544"/>
-              </a:schemeClr>
-            </a:solidFill>
-            <a:miter lim="400000"/>
-            <a:tailEnd type="triangle"/>
-          </a:ln>
-        </p:spPr>
-        <p:txBody>
-          <a:bodyPr lIns="71437" tIns="71437" rIns="71437" bIns="71437" anchor="ctr"/>
-          <a:lstStyle/>
-          <a:p>
-            <a:pPr>
-              <a:defRPr sz="3200"/>
-            </a:pPr>
-            <a:endParaRPr/>
-          </a:p>
-        </p:txBody>
-      </p:sp>
-      <p:sp>
-        <p:nvSpPr>
-          <p:cNvPr id="213" name="Shape 213"/>
-          <p:cNvSpPr/>
-          <p:nvPr/>
-        </p:nvSpPr>
-        <p:spPr>
-          <a:xfrm>
-            <a:off x="10465196" y="5302293"/>
-            <a:ext cx="6298408" cy="591440"/>
-          </a:xfrm>
-          <a:prstGeom prst="rect">
-            <a:avLst/>
-          </a:prstGeom>
-          <a:ln w="12700">
-            <a:miter lim="400000"/>
-          </a:ln>
-          <a:extLst>
-            <a:ext uri="{C572A759-6A51-4108-AA02-DFA0A04FC94B}">
-              <ma14:wrappingTextBoxFlag xmlns="" xmlns:ma14="http://schemas.microsoft.com/office/mac/drawingml/2011/main" val="1"/>
-            </a:ext>
-          </a:extLst>
-        </p:spPr>
-        <p:txBody>
-          <a:bodyPr lIns="71437" tIns="71437" rIns="71437" bIns="71437" anchor="ctr">
-            <a:spAutoFit/>
-          </a:bodyPr>
-          <a:lstStyle>
-            <a:lvl1pPr algn="l">
-              <a:lnSpc>
-                <a:spcPct val="80000"/>
-              </a:lnSpc>
-              <a:defRPr sz="4000">
-                <a:solidFill>
-                  <a:schemeClr val="accent1">
-                    <a:hueOff val="47394"/>
-                    <a:satOff val="-25753"/>
-                    <a:lumOff val="-7544"/>
-                  </a:schemeClr>
-                </a:solidFill>
-                <a:latin typeface="Gotham Pro"/>
-                <a:ea typeface="Gotham Pro"/>
-                <a:cs typeface="Gotham Pro"/>
-                <a:sym typeface="Gotham Pro"/>
-              </a:defRPr>
-            </a:lvl1pPr>
-          </a:lstStyle>
-          <a:p>
-            <a:r>
-              <a:t>Запрашиваем …</a:t>
-            </a:r>
-          </a:p>
-        </p:txBody>
-      </p:sp>
-      <p:sp>
-        <p:nvSpPr>
-          <p:cNvPr id="214" name="Shape 214"/>
-          <p:cNvSpPr/>
-          <p:nvPr/>
-        </p:nvSpPr>
-        <p:spPr>
-          <a:xfrm>
-            <a:off x="18951557" y="8523699"/>
-            <a:ext cx="6298408" cy="591440"/>
-          </a:xfrm>
-          <a:prstGeom prst="rect">
-            <a:avLst/>
-          </a:prstGeom>
-          <a:ln w="12700">
-            <a:miter lim="400000"/>
-          </a:ln>
-          <a:extLst>
-            <a:ext uri="{C572A759-6A51-4108-AA02-DFA0A04FC94B}">
-              <ma14:wrappingTextBoxFlag xmlns="" xmlns:ma14="http://schemas.microsoft.com/office/mac/drawingml/2011/main" val="1"/>
-            </a:ext>
-          </a:extLst>
-        </p:spPr>
-        <p:txBody>
-          <a:bodyPr lIns="71437" tIns="71437" rIns="71437" bIns="71437" anchor="ctr">
-            <a:spAutoFit/>
-          </a:bodyPr>
-          <a:lstStyle>
-            <a:lvl1pPr algn="l">
-              <a:lnSpc>
-                <a:spcPct val="80000"/>
-              </a:lnSpc>
-              <a:defRPr sz="4000">
-                <a:solidFill>
-                  <a:schemeClr val="accent1">
-                    <a:hueOff val="47394"/>
-                    <a:satOff val="-25753"/>
-                    <a:lumOff val="-7544"/>
-                  </a:schemeClr>
-                </a:solidFill>
-                <a:latin typeface="Gotham Pro"/>
-                <a:ea typeface="Gotham Pro"/>
-                <a:cs typeface="Gotham Pro"/>
-                <a:sym typeface="Gotham Pro"/>
-              </a:defRPr>
-            </a:lvl1pPr>
-          </a:lstStyle>
-          <a:p>
-            <a:r>
-              <a:t>Вызов API ….</a:t>
-            </a:r>
-          </a:p>
-        </p:txBody>
-      </p:sp>
-      <p:sp>
-        <p:nvSpPr>
-          <p:cNvPr id="215" name="Shape 215"/>
-          <p:cNvSpPr/>
-          <p:nvPr/>
-        </p:nvSpPr>
-        <p:spPr>
-          <a:xfrm>
-            <a:off x="10465196" y="7977609"/>
-            <a:ext cx="6298408" cy="591440"/>
-          </a:xfrm>
-          <a:prstGeom prst="rect">
-            <a:avLst/>
-          </a:prstGeom>
-          <a:ln w="12700">
-            <a:miter lim="400000"/>
-          </a:ln>
-          <a:extLst>
-            <a:ext uri="{C572A759-6A51-4108-AA02-DFA0A04FC94B}">
-              <ma14:wrappingTextBoxFlag xmlns="" xmlns:ma14="http://schemas.microsoft.com/office/mac/drawingml/2011/main" val="1"/>
-            </a:ext>
-          </a:extLst>
-        </p:spPr>
-        <p:txBody>
-          <a:bodyPr lIns="71437" tIns="71437" rIns="71437" bIns="71437" anchor="ctr">
-            <a:spAutoFit/>
-          </a:bodyPr>
-          <a:lstStyle>
-            <a:lvl1pPr algn="l">
-              <a:lnSpc>
-                <a:spcPct val="80000"/>
-              </a:lnSpc>
-              <a:defRPr sz="4000">
-                <a:solidFill>
-                  <a:schemeClr val="accent1">
-                    <a:hueOff val="47394"/>
-                    <a:satOff val="-25753"/>
-                    <a:lumOff val="-7544"/>
-                  </a:schemeClr>
-                </a:solidFill>
-                <a:latin typeface="Gotham Pro"/>
-                <a:ea typeface="Gotham Pro"/>
-                <a:cs typeface="Gotham Pro"/>
-                <a:sym typeface="Gotham Pro"/>
-              </a:defRPr>
-            </a:lvl1pPr>
-          </a:lstStyle>
-          <a:p>
-            <a:r>
-              <a:t>Скрипты…</a:t>
-            </a:r>
-          </a:p>
-        </p:txBody>
-      </p:sp>
-      <p:sp>
-        <p:nvSpPr>
-          <p:cNvPr id="216" name="Shape 216"/>
-          <p:cNvSpPr/>
-          <p:nvPr/>
-        </p:nvSpPr>
-        <p:spPr>
-          <a:xfrm>
-            <a:off x="424041" y="8327255"/>
-            <a:ext cx="6298407" cy="984328"/>
-          </a:xfrm>
-          <a:prstGeom prst="rect">
-            <a:avLst/>
-          </a:prstGeom>
-          <a:ln w="12700">
-            <a:miter lim="400000"/>
-          </a:ln>
-          <a:extLst>
-            <a:ext uri="{C572A759-6A51-4108-AA02-DFA0A04FC94B}">
-              <ma14:wrappingTextBoxFlag xmlns="" xmlns:ma14="http://schemas.microsoft.com/office/mac/drawingml/2011/main" val="1"/>
-            </a:ext>
-          </a:extLst>
-        </p:spPr>
-        <p:txBody>
-          <a:bodyPr lIns="71437" tIns="71437" rIns="71437" bIns="71437" anchor="ctr">
-            <a:spAutoFit/>
-          </a:bodyPr>
-          <a:lstStyle>
-            <a:lvl1pPr algn="r">
-              <a:lnSpc>
-                <a:spcPct val="80000"/>
-              </a:lnSpc>
-              <a:defRPr sz="4000">
-                <a:solidFill>
-                  <a:schemeClr val="accent1">
-                    <a:hueOff val="47394"/>
-                    <a:satOff val="-25753"/>
-                    <a:lumOff val="-7544"/>
-                  </a:schemeClr>
-                </a:solidFill>
-                <a:latin typeface="Gotham Pro"/>
-                <a:ea typeface="Gotham Pro"/>
-                <a:cs typeface="Gotham Pro"/>
-                <a:sym typeface="Gotham Pro"/>
-              </a:defRPr>
-            </a:lvl1pPr>
-          </a:lstStyle>
-          <a:p>
-            <a:r>
-              <a:t>Отдаем входящий текст</a:t>
-            </a:r>
-          </a:p>
-        </p:txBody>
-      </p:sp>
-      <p:sp>
-        <p:nvSpPr>
-          <p:cNvPr id="217" name="Shape 217"/>
-          <p:cNvSpPr/>
-          <p:nvPr/>
-        </p:nvSpPr>
-        <p:spPr>
-          <a:xfrm>
-            <a:off x="8349870" y="7024368"/>
-            <a:ext cx="3942143" cy="3613506"/>
-          </a:xfrm>
-          <a:prstGeom prst="line">
-            <a:avLst/>
-          </a:prstGeom>
-          <a:ln w="63500">
-            <a:solidFill>
-              <a:schemeClr val="accent1">
-                <a:hueOff val="47394"/>
-                <a:satOff val="-25753"/>
-                <a:lumOff val="-7544"/>
-              </a:schemeClr>
-            </a:solidFill>
-            <a:miter lim="400000"/>
-            <a:headEnd type="triangle"/>
-          </a:ln>
-        </p:spPr>
-        <p:txBody>
-          <a:bodyPr lIns="71437" tIns="71437" rIns="71437" bIns="71437" anchor="ctr"/>
-          <a:lstStyle/>
-          <a:p>
-            <a:pPr>
-              <a:defRPr sz="3200"/>
-            </a:pPr>
-            <a:endParaRPr/>
-          </a:p>
-        </p:txBody>
-      </p:sp>
-      <p:sp>
-        <p:nvSpPr>
-          <p:cNvPr id="218" name="Shape 218"/>
-          <p:cNvSpPr/>
-          <p:nvPr/>
-        </p:nvSpPr>
-        <p:spPr>
-          <a:xfrm>
-            <a:off x="8813800" y="6063979"/>
-            <a:ext cx="9050397" cy="1"/>
-          </a:xfrm>
-          <a:prstGeom prst="line">
-            <a:avLst/>
-          </a:prstGeom>
-          <a:ln w="63500">
-            <a:solidFill>
-              <a:schemeClr val="accent1">
-                <a:hueOff val="47394"/>
-                <a:satOff val="-25753"/>
-                <a:lumOff val="-7544"/>
-              </a:schemeClr>
-            </a:solidFill>
-            <a:miter lim="400000"/>
-            <a:headEnd type="triangle"/>
-          </a:ln>
-        </p:spPr>
-        <p:txBody>
-          <a:bodyPr lIns="71437" tIns="71437" rIns="71437" bIns="71437" anchor="ctr"/>
-          <a:lstStyle/>
-          <a:p>
-            <a:pPr>
-              <a:defRPr sz="3200"/>
-            </a:pPr>
-            <a:endParaRPr/>
-          </a:p>
-        </p:txBody>
-      </p:sp>
-      <p:sp>
-        <p:nvSpPr>
-          <p:cNvPr id="219" name="Shape 219"/>
-          <p:cNvSpPr/>
-          <p:nvPr/>
-        </p:nvSpPr>
-        <p:spPr>
-          <a:xfrm>
-            <a:off x="17132994" y="2760742"/>
-            <a:ext cx="5556251" cy="2079626"/>
-          </a:xfrm>
-          <a:prstGeom prst="rect">
-            <a:avLst/>
-          </a:prstGeom>
-          <a:blipFill>
-            <a:blip r:embed="rId2"/>
-          </a:blipFill>
-          <a:ln w="12700">
-            <a:miter lim="400000"/>
-          </a:ln>
-          <a:effectLst>
-            <a:outerShdw blurRad="50800" dist="25400" dir="5400000" rotWithShape="0">
-              <a:srgbClr val="000000">
-                <a:alpha val="50000"/>
-              </a:srgbClr>
-            </a:outerShdw>
-          </a:effectLst>
-          <a:extLst>
-            <a:ext uri="{C572A759-6A51-4108-AA02-DFA0A04FC94B}">
-              <ma14:wrappingTextBoxFlag xmlns="" xmlns:ma14="http://schemas.microsoft.com/office/mac/drawingml/2011/main" val="1"/>
-            </a:ext>
-          </a:extLst>
-        </p:spPr>
-        <p:txBody>
-          <a:bodyPr lIns="71437" tIns="71437" rIns="71437" bIns="71437" anchor="ctr"/>
-          <a:lstStyle>
-            <a:lvl1pPr>
-              <a:defRPr sz="3200">
-                <a:solidFill>
-                  <a:srgbClr val="FFFFFF"/>
-                </a:solidFill>
-              </a:defRPr>
-            </a:lvl1pPr>
-          </a:lstStyle>
-          <a:p>
-            <a:r>
-              <a:t>ЭТО ПРИМЕР</a:t>
-            </a:r>
-          </a:p>
-        </p:txBody>
-      </p:sp>
       <p:pic>
         <p:nvPicPr>
-          <p:cNvPr id="220" name="! Chat bots meetups - logo2 - round - prozrach.png"/>
+          <p:cNvPr id="226" name="! Chat bots meetups - logo2 - round - prozrach.png"/>
           <p:cNvPicPr>
             <a:picLocks noChangeAspect="1"/>
           </p:cNvPicPr>
           <p:nvPr/>
         </p:nvPicPr>
         <p:blipFill>
-          <a:blip r:embed="rId3">
+          <a:blip r:embed="rId2">
             <a:extLst/>
           </a:blip>
           <a:srcRect l="2632" t="2638" r="2634" b="2634"/>
@@ -8458,14 +7732,14 @@
       </p:pic>
       <p:pic>
         <p:nvPicPr>
-          <p:cNvPr id="221" name="logo.png"/>
+          <p:cNvPr id="227" name="logo.png"/>
           <p:cNvPicPr>
             <a:picLocks noChangeAspect="1"/>
           </p:cNvPicPr>
           <p:nvPr/>
         </p:nvPicPr>
         <p:blipFill>
-          <a:blip r:embed="rId4">
+          <a:blip r:embed="rId3">
             <a:extLst/>
           </a:blip>
           <a:srcRect r="66349"/>
@@ -8514,14 +7788,14 @@
       </p:grpSpPr>
       <p:sp>
         <p:nvSpPr>
-          <p:cNvPr id="223" name="Shape 223"/>
+          <p:cNvPr id="229" name="Shape 229"/>
           <p:cNvSpPr/>
           <p:nvPr/>
         </p:nvSpPr>
         <p:spPr>
           <a:xfrm>
-            <a:off x="1112837" y="3668507"/>
-            <a:ext cx="22158326" cy="1057276"/>
+            <a:off x="1112837" y="5963602"/>
+            <a:ext cx="22158326" cy="1788796"/>
           </a:xfrm>
           <a:prstGeom prst="rect">
             <a:avLst/>
@@ -8531,7 +7805,7 @@
           </a:ln>
           <a:extLst>
             <a:ext uri="{C572A759-6A51-4108-AA02-DFA0A04FC94B}">
-              <ma14:wrappingTextBoxFlag xmlns="" xmlns:ma14="http://schemas.microsoft.com/office/mac/drawingml/2011/main" val="1"/>
+              <ma14:wrappingTextBoxFlag xmlns:ma14="http://schemas.microsoft.com/office/mac/drawingml/2011/main" xmlns="" val="1"/>
             </a:ext>
           </a:extLst>
         </p:spPr>
@@ -8539,8 +7813,9 @@
           <a:bodyPr lIns="71437" tIns="71437" rIns="71437" bIns="71437" anchor="ctr">
             <a:spAutoFit/>
           </a:bodyPr>
-          <a:lstStyle>
-            <a:lvl1pPr algn="l">
+          <a:lstStyle/>
+          <a:p>
+            <a:pPr>
               <a:lnSpc>
                 <a:spcPct val="80000"/>
               </a:lnSpc>
@@ -8550,292 +7825,29 @@
                 <a:cs typeface="Intro Black Caps"/>
                 <a:sym typeface="Intro Black Caps"/>
               </a:defRPr>
-            </a:lvl1pPr>
-          </a:lstStyle>
-          <a:p>
-            <a:r>
-              <a:t>Почему решили делать именно этого бота?</a:t>
-            </a:r>
-          </a:p>
-        </p:txBody>
-      </p:sp>
-      <p:sp>
-        <p:nvSpPr>
-          <p:cNvPr id="224" name="Shape 224"/>
-          <p:cNvSpPr/>
-          <p:nvPr/>
-        </p:nvSpPr>
-        <p:spPr>
-          <a:xfrm>
-            <a:off x="1112837" y="4943390"/>
-            <a:ext cx="22158326" cy="4511422"/>
-          </a:xfrm>
-          <a:prstGeom prst="rect">
-            <a:avLst/>
-          </a:prstGeom>
-          <a:ln w="12700">
-            <a:miter lim="400000"/>
-          </a:ln>
-          <a:extLst>
-            <a:ext uri="{C572A759-6A51-4108-AA02-DFA0A04FC94B}">
-              <ma14:wrappingTextBoxFlag xmlns="" xmlns:ma14="http://schemas.microsoft.com/office/mac/drawingml/2011/main" val="1"/>
-            </a:ext>
-          </a:extLst>
-        </p:spPr>
-        <p:txBody>
-          <a:bodyPr lIns="71437" tIns="71437" rIns="71437" bIns="71437" anchor="ctr">
-            <a:spAutoFit/>
-          </a:bodyPr>
-          <a:lstStyle/>
-          <a:p>
-            <a:pPr marL="1058333" indent="-1058333" algn="l">
-              <a:buSzPct val="100000"/>
-              <a:buAutoNum type="arabicPeriod"/>
-              <a:defRPr sz="6000">
-                <a:latin typeface="Gotham Pro"/>
-                <a:ea typeface="Gotham Pro"/>
-                <a:cs typeface="Gotham Pro"/>
-                <a:sym typeface="Gotham Pro"/>
-              </a:defRPr>
             </a:pPr>
             <a:r>
-              <a:t>…</a:t>
-            </a:r>
-          </a:p>
-          <a:p>
-            <a:pPr marL="1058333" indent="-1058333" algn="l">
-              <a:buSzPct val="100000"/>
-              <a:buAutoNum type="arabicPeriod"/>
-              <a:defRPr sz="6000">
-                <a:latin typeface="Gotham Pro"/>
-                <a:ea typeface="Gotham Pro"/>
-                <a:cs typeface="Gotham Pro"/>
-                <a:sym typeface="Gotham Pro"/>
-              </a:defRPr>
-            </a:pPr>
-            <a:r>
-              <a:t>…</a:t>
-            </a:r>
-          </a:p>
-          <a:p>
-            <a:pPr marL="1058333" indent="-1058333" algn="l">
-              <a:buSzPct val="100000"/>
-              <a:buAutoNum type="arabicPeriod"/>
-              <a:defRPr sz="6000">
-                <a:latin typeface="Gotham Pro"/>
-                <a:ea typeface="Gotham Pro"/>
-                <a:cs typeface="Gotham Pro"/>
-                <a:sym typeface="Gotham Pro"/>
-              </a:defRPr>
-            </a:pPr>
-            <a:r>
-              <a:t>…</a:t>
-            </a:r>
-          </a:p>
-          <a:p>
-            <a:pPr marL="1058333" indent="-1058333" algn="l">
-              <a:buSzPct val="100000"/>
-              <a:buAutoNum type="arabicPeriod"/>
-              <a:defRPr sz="6000">
-                <a:latin typeface="Gotham Pro"/>
-                <a:ea typeface="Gotham Pro"/>
-                <a:cs typeface="Gotham Pro"/>
-                <a:sym typeface="Gotham Pro"/>
-              </a:defRPr>
-            </a:pPr>
-            <a:r>
-              <a:t>…</a:t>
-            </a:r>
-          </a:p>
-          <a:p>
-            <a:pPr marL="1058333" indent="-1058333" algn="l">
-              <a:buSzPct val="100000"/>
-              <a:buAutoNum type="arabicPeriod"/>
-              <a:defRPr sz="6000">
-                <a:latin typeface="Gotham Pro"/>
-                <a:ea typeface="Gotham Pro"/>
-                <a:cs typeface="Gotham Pro"/>
-                <a:sym typeface="Gotham Pro"/>
-              </a:defRPr>
-            </a:pPr>
-            <a:r>
-              <a:t>…</a:t>
-            </a:r>
-          </a:p>
-          <a:p>
-            <a:pPr marL="1058333" indent="-1058333" algn="l">
-              <a:buSzPct val="100000"/>
-              <a:buAutoNum type="arabicPeriod"/>
-              <a:defRPr sz="6000">
-                <a:latin typeface="Gotham Pro"/>
-                <a:ea typeface="Gotham Pro"/>
-                <a:cs typeface="Gotham Pro"/>
-                <a:sym typeface="Gotham Pro"/>
-              </a:defRPr>
-            </a:pPr>
-            <a:r>
-              <a:t>…</a:t>
-            </a:r>
-          </a:p>
-        </p:txBody>
-      </p:sp>
-      <p:sp>
-        <p:nvSpPr>
-          <p:cNvPr id="225" name="Shape 225"/>
-          <p:cNvSpPr/>
-          <p:nvPr/>
-        </p:nvSpPr>
-        <p:spPr>
-          <a:xfrm>
-            <a:off x="895245" y="877999"/>
-            <a:ext cx="4611244" cy="1222376"/>
-          </a:xfrm>
-          <a:prstGeom prst="rect">
-            <a:avLst/>
-          </a:prstGeom>
-          <a:ln w="12700">
-            <a:miter lim="400000"/>
-          </a:ln>
-          <a:extLst>
-            <a:ext uri="{C572A759-6A51-4108-AA02-DFA0A04FC94B}">
-              <ma14:wrappingTextBoxFlag xmlns="" xmlns:ma14="http://schemas.microsoft.com/office/mac/drawingml/2011/main" val="1"/>
-            </a:ext>
-          </a:extLst>
-        </p:spPr>
-        <p:txBody>
-          <a:bodyPr wrap="none" lIns="71437" tIns="71437" rIns="71437" bIns="71437" anchor="ctr">
-            <a:spAutoFit/>
-          </a:bodyPr>
-          <a:lstStyle>
-            <a:lvl1pPr algn="l">
+              <a:t>включаем</a:t>
+            </a:r>
+          </a:p>
+          <a:p>
+            <a:pPr>
               <a:lnSpc>
                 <a:spcPct val="80000"/>
               </a:lnSpc>
-              <a:defRPr sz="7000">
+              <a:defRPr sz="6000">
                 <a:latin typeface="Intro Black Caps"/>
                 <a:ea typeface="Intro Black Caps"/>
                 <a:cs typeface="Intro Black Caps"/>
                 <a:sym typeface="Intro Black Caps"/>
               </a:defRPr>
-            </a:lvl1pPr>
-          </a:lstStyle>
-          <a:p>
-            <a:r>
-              <a:t>“ПРИВЕТ”</a:t>
+            </a:pPr>
+            <a:r>
+              <a:t>Скринкаст</a:t>
             </a:r>
           </a:p>
         </p:txBody>
       </p:sp>
-      <p:pic>
-        <p:nvPicPr>
-          <p:cNvPr id="226" name="! Chat bots meetups - logo2 - round - prozrach.png"/>
-          <p:cNvPicPr>
-            <a:picLocks noChangeAspect="1"/>
-          </p:cNvPicPr>
-          <p:nvPr/>
-        </p:nvPicPr>
-        <p:blipFill>
-          <a:blip r:embed="rId2">
-            <a:extLst/>
-          </a:blip>
-          <a:srcRect l="2632" t="2638" r="2634" b="2634"/>
-          <a:stretch>
-            <a:fillRect/>
-          </a:stretch>
-        </p:blipFill>
-        <p:spPr>
-          <a:xfrm>
-            <a:off x="21955000" y="603863"/>
-            <a:ext cx="1770707" cy="1770584"/>
-          </a:xfrm>
-          <a:custGeom>
-            <a:avLst/>
-            <a:gdLst/>
-            <a:ahLst/>
-            <a:cxnLst>
-              <a:cxn ang="0">
-                <a:pos x="wd2" y="hd2"/>
-              </a:cxn>
-              <a:cxn ang="5400000">
-                <a:pos x="wd2" y="hd2"/>
-              </a:cxn>
-              <a:cxn ang="10800000">
-                <a:pos x="wd2" y="hd2"/>
-              </a:cxn>
-              <a:cxn ang="16200000">
-                <a:pos x="wd2" y="hd2"/>
-              </a:cxn>
-            </a:cxnLst>
-            <a:rect l="0" t="0" r="r" b="b"/>
-            <a:pathLst>
-              <a:path w="19679" h="20595" extrusionOk="0">
-                <a:moveTo>
-                  <a:pt x="9841" y="0"/>
-                </a:moveTo>
-                <a:cubicBezTo>
-                  <a:pt x="7323" y="0"/>
-                  <a:pt x="4802" y="1004"/>
-                  <a:pt x="2881" y="3014"/>
-                </a:cubicBezTo>
-                <a:cubicBezTo>
-                  <a:pt x="-961" y="7036"/>
-                  <a:pt x="-961" y="13558"/>
-                  <a:pt x="2881" y="17579"/>
-                </a:cubicBezTo>
-                <a:cubicBezTo>
-                  <a:pt x="6723" y="21600"/>
-                  <a:pt x="12955" y="21600"/>
-                  <a:pt x="16797" y="17579"/>
-                </a:cubicBezTo>
-                <a:cubicBezTo>
-                  <a:pt x="20639" y="13558"/>
-                  <a:pt x="20639" y="7036"/>
-                  <a:pt x="16797" y="3014"/>
-                </a:cubicBezTo>
-                <a:cubicBezTo>
-                  <a:pt x="14876" y="1004"/>
-                  <a:pt x="12359" y="0"/>
-                  <a:pt x="9841" y="0"/>
-                </a:cubicBezTo>
-                <a:close/>
-              </a:path>
-            </a:pathLst>
-          </a:custGeom>
-          <a:ln w="12700">
-            <a:miter lim="400000"/>
-          </a:ln>
-        </p:spPr>
-      </p:pic>
-      <p:pic>
-        <p:nvPicPr>
-          <p:cNvPr id="227" name="logo.png"/>
-          <p:cNvPicPr>
-            <a:picLocks noChangeAspect="1"/>
-          </p:cNvPicPr>
-          <p:nvPr/>
-        </p:nvPicPr>
-        <p:blipFill>
-          <a:blip r:embed="rId3">
-            <a:extLst/>
-          </a:blip>
-          <a:srcRect r="66349"/>
-          <a:stretch>
-            <a:fillRect/>
-          </a:stretch>
-        </p:blipFill>
-        <p:spPr>
-          <a:xfrm>
-            <a:off x="19819863" y="743312"/>
-            <a:ext cx="1945360" cy="1491898"/>
-          </a:xfrm>
-          <a:prstGeom prst="rect">
-            <a:avLst/>
-          </a:prstGeom>
-          <a:ln w="12700">
-            <a:miter lim="400000"/>
-          </a:ln>
-        </p:spPr>
-      </p:pic>
     </p:spTree>
   </p:cSld>
   <p:clrMapOvr>
